--- a/Poster Template Updated 2022.pptx
+++ b/Poster Template Updated 2022.pptx
@@ -3926,7 +3926,7 @@
           </a:lstStyle>
           <a:p>
             <a:r>
-              <a:rPr lang="en-GB" altLang="en-US" sz="6224" b="1" dirty="0" smtClean="0">
+              <a:rPr lang="en-GB" altLang="en-US" sz="6224" b="1" dirty="0">
                 <a:latin typeface="Arial" panose="020B0604020202020204" pitchFamily="34" charset="0"/>
               </a:rPr>
               <a:t>Transformer Learns Neural Circuit with Diverse Stimulation Patterns</a:t>
@@ -4101,13 +4101,13 @@
               </a:spcBef>
             </a:pPr>
             <a:r>
-              <a:rPr lang="en-GB" altLang="en-US" sz="3000" dirty="0" smtClean="0">
+              <a:rPr lang="en-GB" altLang="en-US" sz="3000" dirty="0">
                 <a:latin typeface="Arial" panose="020B0604020202020204" pitchFamily="34" charset="0"/>
               </a:rPr>
               <a:t>To understand the brain, we need to understand the computations performed by neural circuits. </a:t>
             </a:r>
             <a:r>
-              <a:rPr lang="en-GB" altLang="en-US" sz="3000" dirty="0" smtClean="0">
+              <a:rPr lang="en-GB" altLang="en-US" sz="3000" dirty="0">
                 <a:solidFill>
                   <a:srgbClr val="FF7F00"/>
                 </a:solidFill>
@@ -4123,26 +4123,23 @@
               </a:spcBef>
             </a:pPr>
             <a:r>
-              <a:rPr lang="en-GB" altLang="en-US" sz="3000" dirty="0" smtClean="0">
+              <a:rPr lang="en-GB" altLang="en-US" sz="3000" dirty="0">
                 <a:latin typeface="Arial" panose="020B0604020202020204" pitchFamily="34" charset="0"/>
               </a:rPr>
               <a:t>We simultaneously performed all-optical and </a:t>
             </a:r>
             <a:r>
-              <a:rPr lang="en-GB" altLang="en-US" sz="3000" dirty="0" err="1" smtClean="0">
+              <a:rPr lang="en-GB" altLang="en-US" sz="3000" dirty="0" err="1">
                 <a:latin typeface="Arial" panose="020B0604020202020204" pitchFamily="34" charset="0"/>
               </a:rPr>
               <a:t>Neuropixel</a:t>
             </a:r>
             <a:r>
-              <a:rPr lang="en-GB" altLang="en-US" sz="3000" dirty="0" smtClean="0">
+              <a:rPr lang="en-GB" altLang="en-US" sz="3000" dirty="0">
                 <a:latin typeface="Arial" panose="020B0604020202020204" pitchFamily="34" charset="0"/>
               </a:rPr>
               <a:t> recordings in two brain areas… We then trained Transformer neural networks on the data pairs.</a:t>
             </a:r>
-            <a:endParaRPr lang="en-GB" altLang="en-US" sz="3000" dirty="0">
-              <a:latin typeface="Arial" panose="020B0604020202020204" pitchFamily="34" charset="0"/>
-            </a:endParaRPr>
           </a:p>
         </p:txBody>
       </p:sp>
@@ -4310,64 +4307,46 @@
               </a:spcBef>
             </a:pPr>
             <a:r>
-              <a:rPr lang="en-US" altLang="en-US" sz="3000" b="1" dirty="0" smtClean="0">
+              <a:rPr lang="en-US" altLang="en-US" sz="3000" b="1" dirty="0">
                 <a:latin typeface="Arial" panose="020B0604020202020204" pitchFamily="34" charset="0"/>
               </a:rPr>
               <a:t>S. Liu</a:t>
             </a:r>
             <a:r>
-              <a:rPr lang="en-US" altLang="en-US" sz="3000" b="1" baseline="30000" dirty="0" smtClean="0">
-                <a:latin typeface="Arial" panose="020B0604020202020204" pitchFamily="34" charset="0"/>
-              </a:rPr>
-              <a:t>1</a:t>
-            </a:r>
-            <a:r>
               <a:rPr lang="en-US" altLang="en-US" sz="3000" b="1" baseline="30000" dirty="0">
                 <a:latin typeface="Arial" panose="020B0604020202020204" pitchFamily="34" charset="0"/>
               </a:rPr>
-              <a:t>*</a:t>
+              <a:t>1*</a:t>
             </a:r>
             <a:r>
               <a:rPr lang="en-US" altLang="en-US" sz="3000" b="1" dirty="0">
                 <a:latin typeface="Arial" panose="020B0604020202020204" pitchFamily="34" charset="0"/>
               </a:rPr>
-              <a:t>; </a:t>
-            </a:r>
-            <a:r>
-              <a:rPr lang="en-US" altLang="en-US" sz="3000" b="1" dirty="0" smtClean="0">
-                <a:latin typeface="Arial" panose="020B0604020202020204" pitchFamily="34" charset="0"/>
-              </a:rPr>
-              <a:t>A. Mavor-Parker</a:t>
-            </a:r>
-            <a:r>
-              <a:rPr lang="en-US" altLang="en-US" sz="3000" b="1" baseline="30000" dirty="0" smtClean="0">
+              <a:t>; A. Mavor-Parker</a:t>
+            </a:r>
+            <a:r>
+              <a:rPr lang="en-US" altLang="en-US" sz="3000" b="1" baseline="30000" dirty="0">
                 <a:latin typeface="Arial" panose="020B0604020202020204" pitchFamily="34" charset="0"/>
               </a:rPr>
               <a:t>2,3*</a:t>
             </a:r>
             <a:r>
-              <a:rPr lang="en-US" altLang="en-US" sz="3000" b="1" dirty="0" smtClean="0">
+              <a:rPr lang="en-US" altLang="en-US" sz="3000" b="1" dirty="0">
                 <a:latin typeface="Arial" panose="020B0604020202020204" pitchFamily="34" charset="0"/>
               </a:rPr>
               <a:t>; E. </a:t>
             </a:r>
             <a:r>
-              <a:rPr lang="en-US" altLang="en-US" sz="3000" b="1" dirty="0" err="1" smtClean="0">
+              <a:rPr lang="en-US" altLang="en-US" sz="3000" b="1" dirty="0" err="1">
                 <a:latin typeface="Arial" panose="020B0604020202020204" pitchFamily="34" charset="0"/>
               </a:rPr>
               <a:t>Baumler</a:t>
             </a:r>
             <a:r>
-              <a:rPr lang="en-US" altLang="en-US" sz="3000" b="1" dirty="0" smtClean="0">
-                <a:latin typeface="Arial" panose="020B0604020202020204" pitchFamily="34" charset="0"/>
-              </a:rPr>
-              <a:t>; M. Buchholz </a:t>
-            </a:r>
-            <a:r>
               <a:rPr lang="en-US" altLang="en-US" sz="3000" b="1" dirty="0">
                 <a:latin typeface="Arial" panose="020B0604020202020204" pitchFamily="34" charset="0"/>
               </a:rPr>
-              <a:t>&amp; C.Barry</a:t>
+              <a:t>; M. Buchholz &amp; C.Barry</a:t>
             </a:r>
             <a:r>
               <a:rPr lang="en-US" altLang="en-US" sz="3000" b="1" baseline="30000" dirty="0">
@@ -4614,22 +4593,10 @@
               <a:rPr lang="en-US" altLang="en-US" sz="2600" dirty="0">
                 <a:latin typeface="Arial" panose="020B0604020202020204" pitchFamily="34" charset="0"/>
               </a:rPr>
-              <a:t>* Equal contribution. </a:t>
-            </a:r>
-            <a:r>
+              <a:t>* Equal contribution. Correspondence to first.author@ucl.ac.uk or caswell.barry@ucl.ac.uk </a:t>
+            </a:r>
+            <a:br>
               <a:rPr lang="en-US" altLang="en-US" sz="2600" dirty="0">
-                <a:latin typeface="Arial" panose="020B0604020202020204" pitchFamily="34" charset="0"/>
-              </a:rPr>
-              <a:t>Correspondence to first.author@ucl.ac.uk or caswell.barry@ucl.ac.uk </a:t>
-            </a:r>
-            <a:r>
-              <a:rPr lang="en-US" altLang="en-US" sz="2600" dirty="0" smtClean="0">
-                <a:latin typeface="Arial" panose="020B0604020202020204" pitchFamily="34" charset="0"/>
-              </a:rPr>
-              <a:t/>
-            </a:r>
-            <a:br>
-              <a:rPr lang="en-US" altLang="en-US" sz="2600" dirty="0" smtClean="0">
                 <a:latin typeface="Arial" panose="020B0604020202020204" pitchFamily="34" charset="0"/>
               </a:rPr>
             </a:br>
@@ -5061,194 +5028,6 @@
       </p:sp>
       <p:sp>
         <p:nvSpPr>
-          <p:cNvPr id="13388" name="Text Box 57">
-            <a:extLst>
-              <a:ext uri="{FF2B5EF4-FFF2-40B4-BE49-F238E27FC236}">
-                <a16:creationId xmlns:a16="http://schemas.microsoft.com/office/drawing/2014/main" id="{F400AABA-347E-734B-A4A3-7A25001CB108}"/>
-              </a:ext>
-            </a:extLst>
-          </p:cNvPr>
-          <p:cNvSpPr txBox="1">
-            <a:spLocks noChangeArrowheads="1"/>
-          </p:cNvSpPr>
-          <p:nvPr/>
-        </p:nvSpPr>
-        <p:spPr bwMode="auto">
-          <a:xfrm>
-            <a:off x="20507603" y="14708054"/>
-            <a:ext cx="8971515" cy="418897"/>
-          </a:xfrm>
-          <a:prstGeom prst="rect">
-            <a:avLst/>
-          </a:prstGeom>
-          <a:noFill/>
-          <a:ln>
-            <a:noFill/>
-          </a:ln>
-          <a:extLst>
-            <a:ext uri="{909E8E84-426E-40DD-AFC4-6F175D3DCCD1}">
-              <a14:hiddenFill xmlns:a14="http://schemas.microsoft.com/office/drawing/2010/main">
-                <a:solidFill>
-                  <a:srgbClr val="FFFFFF"/>
-                </a:solidFill>
-              </a14:hiddenFill>
-            </a:ext>
-            <a:ext uri="{91240B29-F687-4F45-9708-019B960494DF}">
-              <a14:hiddenLine xmlns:a14="http://schemas.microsoft.com/office/drawing/2010/main" w="9525">
-                <a:solidFill>
-                  <a:srgbClr val="000000"/>
-                </a:solidFill>
-                <a:miter lim="800000"/>
-                <a:headEnd/>
-                <a:tailEnd/>
-              </a14:hiddenLine>
-            </a:ext>
-          </a:extLst>
-        </p:spPr>
-        <p:txBody>
-          <a:bodyPr>
-            <a:spAutoFit/>
-          </a:bodyPr>
-          <a:lstStyle>
-            <a:lvl1pPr eaLnBrk="0" hangingPunct="0">
-              <a:defRPr sz="2400">
-                <a:solidFill>
-                  <a:schemeClr val="tx1"/>
-                </a:solidFill>
-                <a:latin typeface="Times" pitchFamily="2" charset="0"/>
-                <a:ea typeface="ＭＳ Ｐゴシック" panose="020B0600070205080204" pitchFamily="34" charset="-128"/>
-              </a:defRPr>
-            </a:lvl1pPr>
-            <a:lvl2pPr marL="742950" indent="-285750" eaLnBrk="0" hangingPunct="0">
-              <a:defRPr sz="2400">
-                <a:solidFill>
-                  <a:schemeClr val="tx1"/>
-                </a:solidFill>
-                <a:latin typeface="Times" pitchFamily="2" charset="0"/>
-                <a:ea typeface="ＭＳ Ｐゴシック" panose="020B0600070205080204" pitchFamily="34" charset="-128"/>
-              </a:defRPr>
-            </a:lvl2pPr>
-            <a:lvl3pPr marL="1143000" indent="-228600" eaLnBrk="0" hangingPunct="0">
-              <a:defRPr sz="2400">
-                <a:solidFill>
-                  <a:schemeClr val="tx1"/>
-                </a:solidFill>
-                <a:latin typeface="Times" pitchFamily="2" charset="0"/>
-                <a:ea typeface="ＭＳ Ｐゴシック" panose="020B0600070205080204" pitchFamily="34" charset="-128"/>
-              </a:defRPr>
-            </a:lvl3pPr>
-            <a:lvl4pPr marL="1600200" indent="-228600" eaLnBrk="0" hangingPunct="0">
-              <a:defRPr sz="2400">
-                <a:solidFill>
-                  <a:schemeClr val="tx1"/>
-                </a:solidFill>
-                <a:latin typeface="Times" pitchFamily="2" charset="0"/>
-                <a:ea typeface="ＭＳ Ｐゴシック" panose="020B0600070205080204" pitchFamily="34" charset="-128"/>
-              </a:defRPr>
-            </a:lvl4pPr>
-            <a:lvl5pPr marL="2057400" indent="-228600" eaLnBrk="0" hangingPunct="0">
-              <a:defRPr sz="2400">
-                <a:solidFill>
-                  <a:schemeClr val="tx1"/>
-                </a:solidFill>
-                <a:latin typeface="Times" pitchFamily="2" charset="0"/>
-                <a:ea typeface="ＭＳ Ｐゴシック" panose="020B0600070205080204" pitchFamily="34" charset="-128"/>
-              </a:defRPr>
-            </a:lvl5pPr>
-            <a:lvl6pPr marL="2514600" indent="-228600" eaLnBrk="0" fontAlgn="base" hangingPunct="0">
-              <a:spcBef>
-                <a:spcPct val="0"/>
-              </a:spcBef>
-              <a:spcAft>
-                <a:spcPct val="0"/>
-              </a:spcAft>
-              <a:defRPr sz="2400">
-                <a:solidFill>
-                  <a:schemeClr val="tx1"/>
-                </a:solidFill>
-                <a:latin typeface="Times" pitchFamily="2" charset="0"/>
-                <a:ea typeface="ＭＳ Ｐゴシック" panose="020B0600070205080204" pitchFamily="34" charset="-128"/>
-              </a:defRPr>
-            </a:lvl6pPr>
-            <a:lvl7pPr marL="2971800" indent="-228600" eaLnBrk="0" fontAlgn="base" hangingPunct="0">
-              <a:spcBef>
-                <a:spcPct val="0"/>
-              </a:spcBef>
-              <a:spcAft>
-                <a:spcPct val="0"/>
-              </a:spcAft>
-              <a:defRPr sz="2400">
-                <a:solidFill>
-                  <a:schemeClr val="tx1"/>
-                </a:solidFill>
-                <a:latin typeface="Times" pitchFamily="2" charset="0"/>
-                <a:ea typeface="ＭＳ Ｐゴシック" panose="020B0600070205080204" pitchFamily="34" charset="-128"/>
-              </a:defRPr>
-            </a:lvl7pPr>
-            <a:lvl8pPr marL="3429000" indent="-228600" eaLnBrk="0" fontAlgn="base" hangingPunct="0">
-              <a:spcBef>
-                <a:spcPct val="0"/>
-              </a:spcBef>
-              <a:spcAft>
-                <a:spcPct val="0"/>
-              </a:spcAft>
-              <a:defRPr sz="2400">
-                <a:solidFill>
-                  <a:schemeClr val="tx1"/>
-                </a:solidFill>
-                <a:latin typeface="Times" pitchFamily="2" charset="0"/>
-                <a:ea typeface="ＭＳ Ｐゴシック" panose="020B0600070205080204" pitchFamily="34" charset="-128"/>
-              </a:defRPr>
-            </a:lvl8pPr>
-            <a:lvl9pPr marL="3886200" indent="-228600" eaLnBrk="0" fontAlgn="base" hangingPunct="0">
-              <a:spcBef>
-                <a:spcPct val="0"/>
-              </a:spcBef>
-              <a:spcAft>
-                <a:spcPct val="0"/>
-              </a:spcAft>
-              <a:defRPr sz="2400">
-                <a:solidFill>
-                  <a:schemeClr val="tx1"/>
-                </a:solidFill>
-                <a:latin typeface="Times" pitchFamily="2" charset="0"/>
-                <a:ea typeface="ＭＳ Ｐゴシック" panose="020B0600070205080204" pitchFamily="34" charset="-128"/>
-              </a:defRPr>
-            </a:lvl9pPr>
-          </a:lstStyle>
-          <a:p>
-            <a:pPr>
-              <a:spcBef>
-                <a:spcPct val="50000"/>
-              </a:spcBef>
-            </a:pPr>
-            <a:r>
-              <a:rPr lang="en-GB" altLang="en-US" sz="2122" b="1" dirty="0">
-                <a:solidFill>
-                  <a:srgbClr val="FF7F00"/>
-                </a:solidFill>
-                <a:latin typeface="Arial" panose="020B0604020202020204" pitchFamily="34" charset="0"/>
-              </a:rPr>
-              <a:t>Numerous neural implementations are possible</a:t>
-            </a:r>
-            <a:r>
-              <a:rPr lang="en-GB" altLang="en-US" sz="2122" b="1" dirty="0">
-                <a:solidFill>
-                  <a:srgbClr val="0099CC"/>
-                </a:solidFill>
-                <a:latin typeface="Arial" panose="020B0604020202020204" pitchFamily="34" charset="0"/>
-              </a:rPr>
-              <a:t> </a:t>
-            </a:r>
-            <a:endParaRPr lang="en-GB" altLang="en-US" sz="2122" baseline="-25000" dirty="0">
-              <a:latin typeface="Arial" panose="020B0604020202020204" pitchFamily="34" charset="0"/>
-              <a:cs typeface="Arial" panose="020B0604020202020204" pitchFamily="34" charset="0"/>
-            </a:endParaRPr>
-          </a:p>
-        </p:txBody>
-      </p:sp>
-      <p:sp>
-        <p:nvSpPr>
           <p:cNvPr id="59" name="Rounded Rectangle 58">
             <a:extLst>
               <a:ext uri="{FF2B5EF4-FFF2-40B4-BE49-F238E27FC236}">
@@ -5460,7 +5239,7 @@
               </a:spcBef>
             </a:pPr>
             <a:r>
-              <a:rPr lang="en-GB" altLang="en-US" sz="2122" b="1" dirty="0" smtClean="0">
+              <a:rPr lang="en-GB" altLang="en-US" sz="2122" b="1" dirty="0">
                 <a:solidFill>
                   <a:srgbClr val="FF7F00"/>
                 </a:solidFill>
@@ -5468,1135 +5247,9 @@
               </a:rPr>
               <a:t>Conclusions</a:t>
             </a:r>
-            <a:endParaRPr lang="en-GB" altLang="en-US" sz="2122" b="1" dirty="0">
-              <a:solidFill>
-                <a:srgbClr val="FF7F00"/>
-              </a:solidFill>
-              <a:latin typeface="Arial" panose="020B0604020202020204" pitchFamily="34" charset="0"/>
-            </a:endParaRPr>
-          </a:p>
-        </p:txBody>
-      </p:sp>
-      <p:sp>
-        <p:nvSpPr>
-          <p:cNvPr id="13391" name="Text Box 57">
-            <a:extLst>
-              <a:ext uri="{FF2B5EF4-FFF2-40B4-BE49-F238E27FC236}">
-                <a16:creationId xmlns:a16="http://schemas.microsoft.com/office/drawing/2014/main" id="{B0B3FCE3-2E23-294F-A69A-89120B110E2F}"/>
-              </a:ext>
-            </a:extLst>
-          </p:cNvPr>
-          <p:cNvSpPr txBox="1">
-            <a:spLocks noChangeArrowheads="1"/>
-          </p:cNvSpPr>
-          <p:nvPr/>
-        </p:nvSpPr>
-        <p:spPr bwMode="auto">
-          <a:xfrm>
-            <a:off x="20432373" y="15202105"/>
-            <a:ext cx="8971515" cy="418897"/>
-          </a:xfrm>
-          <a:prstGeom prst="rect">
-            <a:avLst/>
-          </a:prstGeom>
-          <a:noFill/>
-          <a:ln>
-            <a:noFill/>
-          </a:ln>
-          <a:extLst>
-            <a:ext uri="{909E8E84-426E-40DD-AFC4-6F175D3DCCD1}">
-              <a14:hiddenFill xmlns:a14="http://schemas.microsoft.com/office/drawing/2010/main">
-                <a:solidFill>
-                  <a:srgbClr val="FFFFFF"/>
-                </a:solidFill>
-              </a14:hiddenFill>
-            </a:ext>
-            <a:ext uri="{91240B29-F687-4F45-9708-019B960494DF}">
-              <a14:hiddenLine xmlns:a14="http://schemas.microsoft.com/office/drawing/2010/main" w="9525">
-                <a:solidFill>
-                  <a:srgbClr val="000000"/>
-                </a:solidFill>
-                <a:miter lim="800000"/>
-                <a:headEnd/>
-                <a:tailEnd/>
-              </a14:hiddenLine>
-            </a:ext>
-          </a:extLst>
-        </p:spPr>
-        <p:txBody>
-          <a:bodyPr>
-            <a:spAutoFit/>
-          </a:bodyPr>
-          <a:lstStyle>
-            <a:lvl1pPr eaLnBrk="0" hangingPunct="0">
-              <a:defRPr sz="2400">
-                <a:solidFill>
-                  <a:schemeClr val="tx1"/>
-                </a:solidFill>
-                <a:latin typeface="Times" pitchFamily="2" charset="0"/>
-                <a:ea typeface="ＭＳ Ｐゴシック" panose="020B0600070205080204" pitchFamily="34" charset="-128"/>
-              </a:defRPr>
-            </a:lvl1pPr>
-            <a:lvl2pPr marL="742950" indent="-285750" eaLnBrk="0" hangingPunct="0">
-              <a:defRPr sz="2400">
-                <a:solidFill>
-                  <a:schemeClr val="tx1"/>
-                </a:solidFill>
-                <a:latin typeface="Times" pitchFamily="2" charset="0"/>
-                <a:ea typeface="ＭＳ Ｐゴシック" panose="020B0600070205080204" pitchFamily="34" charset="-128"/>
-              </a:defRPr>
-            </a:lvl2pPr>
-            <a:lvl3pPr marL="1143000" indent="-228600" eaLnBrk="0" hangingPunct="0">
-              <a:defRPr sz="2400">
-                <a:solidFill>
-                  <a:schemeClr val="tx1"/>
-                </a:solidFill>
-                <a:latin typeface="Times" pitchFamily="2" charset="0"/>
-                <a:ea typeface="ＭＳ Ｐゴシック" panose="020B0600070205080204" pitchFamily="34" charset="-128"/>
-              </a:defRPr>
-            </a:lvl3pPr>
-            <a:lvl4pPr marL="1600200" indent="-228600" eaLnBrk="0" hangingPunct="0">
-              <a:defRPr sz="2400">
-                <a:solidFill>
-                  <a:schemeClr val="tx1"/>
-                </a:solidFill>
-                <a:latin typeface="Times" pitchFamily="2" charset="0"/>
-                <a:ea typeface="ＭＳ Ｐゴシック" panose="020B0600070205080204" pitchFamily="34" charset="-128"/>
-              </a:defRPr>
-            </a:lvl4pPr>
-            <a:lvl5pPr marL="2057400" indent="-228600" eaLnBrk="0" hangingPunct="0">
-              <a:defRPr sz="2400">
-                <a:solidFill>
-                  <a:schemeClr val="tx1"/>
-                </a:solidFill>
-                <a:latin typeface="Times" pitchFamily="2" charset="0"/>
-                <a:ea typeface="ＭＳ Ｐゴシック" panose="020B0600070205080204" pitchFamily="34" charset="-128"/>
-              </a:defRPr>
-            </a:lvl5pPr>
-            <a:lvl6pPr marL="2514600" indent="-228600" eaLnBrk="0" fontAlgn="base" hangingPunct="0">
-              <a:spcBef>
-                <a:spcPct val="0"/>
-              </a:spcBef>
-              <a:spcAft>
-                <a:spcPct val="0"/>
-              </a:spcAft>
-              <a:defRPr sz="2400">
-                <a:solidFill>
-                  <a:schemeClr val="tx1"/>
-                </a:solidFill>
-                <a:latin typeface="Times" pitchFamily="2" charset="0"/>
-                <a:ea typeface="ＭＳ Ｐゴシック" panose="020B0600070205080204" pitchFamily="34" charset="-128"/>
-              </a:defRPr>
-            </a:lvl6pPr>
-            <a:lvl7pPr marL="2971800" indent="-228600" eaLnBrk="0" fontAlgn="base" hangingPunct="0">
-              <a:spcBef>
-                <a:spcPct val="0"/>
-              </a:spcBef>
-              <a:spcAft>
-                <a:spcPct val="0"/>
-              </a:spcAft>
-              <a:defRPr sz="2400">
-                <a:solidFill>
-                  <a:schemeClr val="tx1"/>
-                </a:solidFill>
-                <a:latin typeface="Times" pitchFamily="2" charset="0"/>
-                <a:ea typeface="ＭＳ Ｐゴシック" panose="020B0600070205080204" pitchFamily="34" charset="-128"/>
-              </a:defRPr>
-            </a:lvl7pPr>
-            <a:lvl8pPr marL="3429000" indent="-228600" eaLnBrk="0" fontAlgn="base" hangingPunct="0">
-              <a:spcBef>
-                <a:spcPct val="0"/>
-              </a:spcBef>
-              <a:spcAft>
-                <a:spcPct val="0"/>
-              </a:spcAft>
-              <a:defRPr sz="2400">
-                <a:solidFill>
-                  <a:schemeClr val="tx1"/>
-                </a:solidFill>
-                <a:latin typeface="Times" pitchFamily="2" charset="0"/>
-                <a:ea typeface="ＭＳ Ｐゴシック" panose="020B0600070205080204" pitchFamily="34" charset="-128"/>
-              </a:defRPr>
-            </a:lvl8pPr>
-            <a:lvl9pPr marL="3886200" indent="-228600" eaLnBrk="0" fontAlgn="base" hangingPunct="0">
-              <a:spcBef>
-                <a:spcPct val="0"/>
-              </a:spcBef>
-              <a:spcAft>
-                <a:spcPct val="0"/>
-              </a:spcAft>
-              <a:defRPr sz="2400">
-                <a:solidFill>
-                  <a:schemeClr val="tx1"/>
-                </a:solidFill>
-                <a:latin typeface="Times" pitchFamily="2" charset="0"/>
-                <a:ea typeface="ＭＳ Ｐゴシック" panose="020B0600070205080204" pitchFamily="34" charset="-128"/>
-              </a:defRPr>
-            </a:lvl9pPr>
-          </a:lstStyle>
-          <a:p>
-            <a:pPr algn="just">
-              <a:spcBef>
-                <a:spcPct val="50000"/>
-              </a:spcBef>
-            </a:pPr>
-            <a:r>
-              <a:rPr lang="en-GB" altLang="en-US" sz="2122" b="1" dirty="0">
-                <a:solidFill>
-                  <a:srgbClr val="FF7F00"/>
-                </a:solidFill>
-                <a:latin typeface="Arial" panose="020B0604020202020204" pitchFamily="34" charset="0"/>
-              </a:rPr>
-              <a:t>1. Distance cell model</a:t>
-            </a:r>
-          </a:p>
-        </p:txBody>
-      </p:sp>
-      <p:sp>
-        <p:nvSpPr>
-          <p:cNvPr id="13392" name="Text Box 57">
-            <a:extLst>
-              <a:ext uri="{FF2B5EF4-FFF2-40B4-BE49-F238E27FC236}">
-                <a16:creationId xmlns:a16="http://schemas.microsoft.com/office/drawing/2014/main" id="{28CC4D3A-F7C3-9547-B355-BFDC36874896}"/>
-              </a:ext>
-            </a:extLst>
-          </p:cNvPr>
-          <p:cNvSpPr txBox="1">
-            <a:spLocks noChangeArrowheads="1"/>
-          </p:cNvSpPr>
-          <p:nvPr/>
-        </p:nvSpPr>
-        <p:spPr bwMode="auto">
-          <a:xfrm>
-            <a:off x="20432372" y="18640250"/>
-            <a:ext cx="5208868" cy="3684535"/>
-          </a:xfrm>
-          <a:prstGeom prst="rect">
-            <a:avLst/>
-          </a:prstGeom>
-          <a:noFill/>
-          <a:ln>
-            <a:noFill/>
-          </a:ln>
-          <a:extLst>
-            <a:ext uri="{909E8E84-426E-40DD-AFC4-6F175D3DCCD1}">
-              <a14:hiddenFill xmlns:a14="http://schemas.microsoft.com/office/drawing/2010/main">
-                <a:solidFill>
-                  <a:srgbClr val="FFFFFF"/>
-                </a:solidFill>
-              </a14:hiddenFill>
-            </a:ext>
-            <a:ext uri="{91240B29-F687-4F45-9708-019B960494DF}">
-              <a14:hiddenLine xmlns:a14="http://schemas.microsoft.com/office/drawing/2010/main" w="9525">
-                <a:solidFill>
-                  <a:srgbClr val="000000"/>
-                </a:solidFill>
-                <a:miter lim="800000"/>
-                <a:headEnd/>
-                <a:tailEnd/>
-              </a14:hiddenLine>
-            </a:ext>
-          </a:extLst>
-        </p:spPr>
-        <p:txBody>
-          <a:bodyPr>
-            <a:spAutoFit/>
-          </a:bodyPr>
-          <a:lstStyle>
-            <a:lvl1pPr eaLnBrk="0" hangingPunct="0">
-              <a:defRPr sz="2400">
-                <a:solidFill>
-                  <a:schemeClr val="tx1"/>
-                </a:solidFill>
-                <a:latin typeface="Times" pitchFamily="2" charset="0"/>
-                <a:ea typeface="ＭＳ Ｐゴシック" panose="020B0600070205080204" pitchFamily="34" charset="-128"/>
-              </a:defRPr>
-            </a:lvl1pPr>
-            <a:lvl2pPr marL="742950" indent="-285750" eaLnBrk="0" hangingPunct="0">
-              <a:defRPr sz="2400">
-                <a:solidFill>
-                  <a:schemeClr val="tx1"/>
-                </a:solidFill>
-                <a:latin typeface="Times" pitchFamily="2" charset="0"/>
-                <a:ea typeface="ＭＳ Ｐゴシック" panose="020B0600070205080204" pitchFamily="34" charset="-128"/>
-              </a:defRPr>
-            </a:lvl2pPr>
-            <a:lvl3pPr marL="1143000" indent="-228600" eaLnBrk="0" hangingPunct="0">
-              <a:defRPr sz="2400">
-                <a:solidFill>
-                  <a:schemeClr val="tx1"/>
-                </a:solidFill>
-                <a:latin typeface="Times" pitchFamily="2" charset="0"/>
-                <a:ea typeface="ＭＳ Ｐゴシック" panose="020B0600070205080204" pitchFamily="34" charset="-128"/>
-              </a:defRPr>
-            </a:lvl3pPr>
-            <a:lvl4pPr marL="1600200" indent="-228600" eaLnBrk="0" hangingPunct="0">
-              <a:defRPr sz="2400">
-                <a:solidFill>
-                  <a:schemeClr val="tx1"/>
-                </a:solidFill>
-                <a:latin typeface="Times" pitchFamily="2" charset="0"/>
-                <a:ea typeface="ＭＳ Ｐゴシック" panose="020B0600070205080204" pitchFamily="34" charset="-128"/>
-              </a:defRPr>
-            </a:lvl4pPr>
-            <a:lvl5pPr marL="2057400" indent="-228600" eaLnBrk="0" hangingPunct="0">
-              <a:defRPr sz="2400">
-                <a:solidFill>
-                  <a:schemeClr val="tx1"/>
-                </a:solidFill>
-                <a:latin typeface="Times" pitchFamily="2" charset="0"/>
-                <a:ea typeface="ＭＳ Ｐゴシック" panose="020B0600070205080204" pitchFamily="34" charset="-128"/>
-              </a:defRPr>
-            </a:lvl5pPr>
-            <a:lvl6pPr marL="2514600" indent="-228600" eaLnBrk="0" fontAlgn="base" hangingPunct="0">
-              <a:spcBef>
-                <a:spcPct val="0"/>
-              </a:spcBef>
-              <a:spcAft>
-                <a:spcPct val="0"/>
-              </a:spcAft>
-              <a:defRPr sz="2400">
-                <a:solidFill>
-                  <a:schemeClr val="tx1"/>
-                </a:solidFill>
-                <a:latin typeface="Times" pitchFamily="2" charset="0"/>
-                <a:ea typeface="ＭＳ Ｐゴシック" panose="020B0600070205080204" pitchFamily="34" charset="-128"/>
-              </a:defRPr>
-            </a:lvl6pPr>
-            <a:lvl7pPr marL="2971800" indent="-228600" eaLnBrk="0" fontAlgn="base" hangingPunct="0">
-              <a:spcBef>
-                <a:spcPct val="0"/>
-              </a:spcBef>
-              <a:spcAft>
-                <a:spcPct val="0"/>
-              </a:spcAft>
-              <a:defRPr sz="2400">
-                <a:solidFill>
-                  <a:schemeClr val="tx1"/>
-                </a:solidFill>
-                <a:latin typeface="Times" pitchFamily="2" charset="0"/>
-                <a:ea typeface="ＭＳ Ｐゴシック" panose="020B0600070205080204" pitchFamily="34" charset="-128"/>
-              </a:defRPr>
-            </a:lvl7pPr>
-            <a:lvl8pPr marL="3429000" indent="-228600" eaLnBrk="0" fontAlgn="base" hangingPunct="0">
-              <a:spcBef>
-                <a:spcPct val="0"/>
-              </a:spcBef>
-              <a:spcAft>
-                <a:spcPct val="0"/>
-              </a:spcAft>
-              <a:defRPr sz="2400">
-                <a:solidFill>
-                  <a:schemeClr val="tx1"/>
-                </a:solidFill>
-                <a:latin typeface="Times" pitchFamily="2" charset="0"/>
-                <a:ea typeface="ＭＳ Ｐゴシック" panose="020B0600070205080204" pitchFamily="34" charset="-128"/>
-              </a:defRPr>
-            </a:lvl8pPr>
-            <a:lvl9pPr marL="3886200" indent="-228600" eaLnBrk="0" fontAlgn="base" hangingPunct="0">
-              <a:spcBef>
-                <a:spcPct val="0"/>
-              </a:spcBef>
-              <a:spcAft>
-                <a:spcPct val="0"/>
-              </a:spcAft>
-              <a:defRPr sz="2400">
-                <a:solidFill>
-                  <a:schemeClr val="tx1"/>
-                </a:solidFill>
-                <a:latin typeface="Times" pitchFamily="2" charset="0"/>
-                <a:ea typeface="ＭＳ Ｐゴシック" panose="020B0600070205080204" pitchFamily="34" charset="-128"/>
-              </a:defRPr>
-            </a:lvl9pPr>
-          </a:lstStyle>
-          <a:p>
-            <a:pPr algn="just">
-              <a:spcBef>
-                <a:spcPct val="50000"/>
-              </a:spcBef>
-            </a:pPr>
-            <a:r>
-              <a:rPr lang="en-GB" altLang="en-US" sz="2122" dirty="0">
-                <a:solidFill>
-                  <a:srgbClr val="000000"/>
-                </a:solidFill>
-                <a:latin typeface="Arial" panose="020B0604020202020204" pitchFamily="34" charset="0"/>
-              </a:rPr>
-              <a:t>‘Distance cells’ encode displacements </a:t>
-            </a:r>
-            <a:r>
-              <a:rPr lang="en-GB" altLang="en-US" sz="2122" i="1" dirty="0">
-                <a:solidFill>
-                  <a:srgbClr val="000000"/>
-                </a:solidFill>
-                <a:latin typeface="Arial" panose="020B0604020202020204" pitchFamily="34" charset="0"/>
-              </a:rPr>
-              <a:t>d</a:t>
-            </a:r>
-            <a:r>
-              <a:rPr lang="en-GB" altLang="en-US" sz="2122" i="1" baseline="-25000" dirty="0">
-                <a:solidFill>
-                  <a:srgbClr val="000000"/>
-                </a:solidFill>
-                <a:latin typeface="Arial" panose="020B0604020202020204" pitchFamily="34" charset="0"/>
-              </a:rPr>
-              <a:t>x</a:t>
-            </a:r>
-            <a:r>
-              <a:rPr lang="en-GB" altLang="en-US" sz="2122" dirty="0">
-                <a:solidFill>
-                  <a:srgbClr val="000000"/>
-                </a:solidFill>
-                <a:latin typeface="Arial" panose="020B0604020202020204" pitchFamily="34" charset="0"/>
-              </a:rPr>
-              <a:t> along a single axis. Each distance cell receives input from grid cells of all modules proportional to their firing rate at that position on the axis. Distance cells provide input to a single read-out cell with weights proportional to distance along the axis. </a:t>
-            </a:r>
-            <a:r>
-              <a:rPr lang="en-GB" altLang="en-US" sz="2122" i="1" dirty="0">
-                <a:solidFill>
-                  <a:srgbClr val="000000"/>
-                </a:solidFill>
-                <a:latin typeface="Arial" panose="020B0604020202020204" pitchFamily="34" charset="0"/>
-              </a:rPr>
-              <a:t>Start</a:t>
-            </a:r>
-            <a:r>
-              <a:rPr lang="en-GB" altLang="en-US" sz="2122" dirty="0">
-                <a:solidFill>
-                  <a:srgbClr val="000000"/>
-                </a:solidFill>
-                <a:latin typeface="Arial" panose="020B0604020202020204" pitchFamily="34" charset="0"/>
-              </a:rPr>
-              <a:t> and </a:t>
-            </a:r>
-            <a:r>
-              <a:rPr lang="en-GB" altLang="en-US" sz="2122" i="1" dirty="0">
-                <a:solidFill>
-                  <a:srgbClr val="000000"/>
-                </a:solidFill>
-                <a:latin typeface="Arial" panose="020B0604020202020204" pitchFamily="34" charset="0"/>
-              </a:rPr>
-              <a:t>Goal</a:t>
-            </a:r>
-            <a:r>
-              <a:rPr lang="en-GB" altLang="en-US" sz="2122" dirty="0">
-                <a:solidFill>
-                  <a:srgbClr val="000000"/>
-                </a:solidFill>
-                <a:latin typeface="Arial" panose="020B0604020202020204" pitchFamily="34" charset="0"/>
-              </a:rPr>
-              <a:t> locations are compared using two arrays of distance cells </a:t>
-            </a:r>
-            <a:r>
-              <a:rPr lang="en-GB" altLang="en-US" sz="2122" dirty="0" err="1">
-                <a:solidFill>
-                  <a:srgbClr val="000000"/>
-                </a:solidFill>
-                <a:latin typeface="Arial" panose="020B0604020202020204" pitchFamily="34" charset="0"/>
-              </a:rPr>
-              <a:t>opposingly</a:t>
-            </a:r>
-            <a:r>
-              <a:rPr lang="en-GB" altLang="en-US" sz="2122" dirty="0">
-                <a:solidFill>
-                  <a:srgbClr val="000000"/>
-                </a:solidFill>
-                <a:latin typeface="Arial" panose="020B0604020202020204" pitchFamily="34" charset="0"/>
-              </a:rPr>
-              <a:t> connected to two read-out cells</a:t>
-            </a:r>
-            <a:r>
-              <a:rPr lang="en-GB" altLang="en-US" sz="2122" baseline="30000" dirty="0">
-                <a:solidFill>
-                  <a:srgbClr val="000000"/>
-                </a:solidFill>
-                <a:latin typeface="Arial" panose="020B0604020202020204" pitchFamily="34" charset="0"/>
-              </a:rPr>
-              <a:t>5</a:t>
-            </a:r>
-            <a:r>
-              <a:rPr lang="en-GB" altLang="en-US" sz="2122" dirty="0">
-                <a:solidFill>
-                  <a:srgbClr val="000000"/>
-                </a:solidFill>
-                <a:latin typeface="Arial" panose="020B0604020202020204" pitchFamily="34" charset="0"/>
-              </a:rPr>
-              <a:t>.</a:t>
-            </a:r>
-          </a:p>
-        </p:txBody>
-      </p:sp>
-      <p:pic>
-        <p:nvPicPr>
-          <p:cNvPr id="13393" name="Picture 14">
-            <a:extLst>
-              <a:ext uri="{FF2B5EF4-FFF2-40B4-BE49-F238E27FC236}">
-                <a16:creationId xmlns:a16="http://schemas.microsoft.com/office/drawing/2014/main" id="{CAB7C4A3-5C6F-3240-ADB9-6C5FAD43C665}"/>
-              </a:ext>
-            </a:extLst>
-          </p:cNvPr>
-          <p:cNvPicPr>
-            <a:picLocks noChangeAspect="1"/>
-          </p:cNvPicPr>
-          <p:nvPr/>
-        </p:nvPicPr>
-        <p:blipFill>
-          <a:blip r:embed="rId3">
-            <a:extLst>
-              <a:ext uri="{28A0092B-C50C-407E-A947-70E740481C1C}">
-                <a14:useLocalDpi xmlns:a14="http://schemas.microsoft.com/office/drawing/2010/main" val="0"/>
-              </a:ext>
-            </a:extLst>
-          </a:blip>
-          <a:srcRect l="52344"/>
-          <a:stretch>
-            <a:fillRect/>
-          </a:stretch>
-        </p:blipFill>
-        <p:spPr bwMode="auto">
-          <a:xfrm>
-            <a:off x="25817526" y="18462840"/>
-            <a:ext cx="3561658" cy="3584114"/>
-          </a:xfrm>
-          <a:prstGeom prst="rect">
-            <a:avLst/>
-          </a:prstGeom>
-          <a:noFill/>
-          <a:ln>
-            <a:noFill/>
-          </a:ln>
-          <a:extLst>
-            <a:ext uri="{909E8E84-426E-40DD-AFC4-6F175D3DCCD1}">
-              <a14:hiddenFill xmlns:a14="http://schemas.microsoft.com/office/drawing/2010/main">
-                <a:solidFill>
-                  <a:srgbClr val="FFFFFF"/>
-                </a:solidFill>
-              </a14:hiddenFill>
-            </a:ext>
-            <a:ext uri="{91240B29-F687-4F45-9708-019B960494DF}">
-              <a14:hiddenLine xmlns:a14="http://schemas.microsoft.com/office/drawing/2010/main" w="9525">
-                <a:solidFill>
-                  <a:srgbClr val="000000"/>
-                </a:solidFill>
-                <a:miter lim="800000"/>
-                <a:headEnd/>
-                <a:tailEnd/>
-              </a14:hiddenLine>
-            </a:ext>
-          </a:extLst>
-        </p:spPr>
-      </p:pic>
-      <p:sp>
-        <p:nvSpPr>
-          <p:cNvPr id="13394" name="Text Box 57">
-            <a:extLst>
-              <a:ext uri="{FF2B5EF4-FFF2-40B4-BE49-F238E27FC236}">
-                <a16:creationId xmlns:a16="http://schemas.microsoft.com/office/drawing/2014/main" id="{CDE4C074-8507-4C4F-86DC-01888A842B3A}"/>
-              </a:ext>
-            </a:extLst>
-          </p:cNvPr>
-          <p:cNvSpPr txBox="1">
-            <a:spLocks noChangeArrowheads="1"/>
-          </p:cNvSpPr>
-          <p:nvPr/>
-        </p:nvSpPr>
-        <p:spPr bwMode="auto">
-          <a:xfrm>
-            <a:off x="20458198" y="22524163"/>
-            <a:ext cx="8971515" cy="418897"/>
-          </a:xfrm>
-          <a:prstGeom prst="rect">
-            <a:avLst/>
-          </a:prstGeom>
-          <a:noFill/>
-          <a:ln>
-            <a:noFill/>
-          </a:ln>
-          <a:extLst>
-            <a:ext uri="{909E8E84-426E-40DD-AFC4-6F175D3DCCD1}">
-              <a14:hiddenFill xmlns:a14="http://schemas.microsoft.com/office/drawing/2010/main">
-                <a:solidFill>
-                  <a:srgbClr val="FFFFFF"/>
-                </a:solidFill>
-              </a14:hiddenFill>
-            </a:ext>
-            <a:ext uri="{91240B29-F687-4F45-9708-019B960494DF}">
-              <a14:hiddenLine xmlns:a14="http://schemas.microsoft.com/office/drawing/2010/main" w="9525">
-                <a:solidFill>
-                  <a:srgbClr val="000000"/>
-                </a:solidFill>
-                <a:miter lim="800000"/>
-                <a:headEnd/>
-                <a:tailEnd/>
-              </a14:hiddenLine>
-            </a:ext>
-          </a:extLst>
-        </p:spPr>
-        <p:txBody>
-          <a:bodyPr>
-            <a:spAutoFit/>
-          </a:bodyPr>
-          <a:lstStyle>
-            <a:lvl1pPr eaLnBrk="0" hangingPunct="0">
-              <a:defRPr sz="2400">
-                <a:solidFill>
-                  <a:schemeClr val="tx1"/>
-                </a:solidFill>
-                <a:latin typeface="Times" pitchFamily="2" charset="0"/>
-                <a:ea typeface="ＭＳ Ｐゴシック" panose="020B0600070205080204" pitchFamily="34" charset="-128"/>
-              </a:defRPr>
-            </a:lvl1pPr>
-            <a:lvl2pPr marL="742950" indent="-285750" eaLnBrk="0" hangingPunct="0">
-              <a:defRPr sz="2400">
-                <a:solidFill>
-                  <a:schemeClr val="tx1"/>
-                </a:solidFill>
-                <a:latin typeface="Times" pitchFamily="2" charset="0"/>
-                <a:ea typeface="ＭＳ Ｐゴシック" panose="020B0600070205080204" pitchFamily="34" charset="-128"/>
-              </a:defRPr>
-            </a:lvl2pPr>
-            <a:lvl3pPr marL="1143000" indent="-228600" eaLnBrk="0" hangingPunct="0">
-              <a:defRPr sz="2400">
-                <a:solidFill>
-                  <a:schemeClr val="tx1"/>
-                </a:solidFill>
-                <a:latin typeface="Times" pitchFamily="2" charset="0"/>
-                <a:ea typeface="ＭＳ Ｐゴシック" panose="020B0600070205080204" pitchFamily="34" charset="-128"/>
-              </a:defRPr>
-            </a:lvl3pPr>
-            <a:lvl4pPr marL="1600200" indent="-228600" eaLnBrk="0" hangingPunct="0">
-              <a:defRPr sz="2400">
-                <a:solidFill>
-                  <a:schemeClr val="tx1"/>
-                </a:solidFill>
-                <a:latin typeface="Times" pitchFamily="2" charset="0"/>
-                <a:ea typeface="ＭＳ Ｐゴシック" panose="020B0600070205080204" pitchFamily="34" charset="-128"/>
-              </a:defRPr>
-            </a:lvl4pPr>
-            <a:lvl5pPr marL="2057400" indent="-228600" eaLnBrk="0" hangingPunct="0">
-              <a:defRPr sz="2400">
-                <a:solidFill>
-                  <a:schemeClr val="tx1"/>
-                </a:solidFill>
-                <a:latin typeface="Times" pitchFamily="2" charset="0"/>
-                <a:ea typeface="ＭＳ Ｐゴシック" panose="020B0600070205080204" pitchFamily="34" charset="-128"/>
-              </a:defRPr>
-            </a:lvl5pPr>
-            <a:lvl6pPr marL="2514600" indent="-228600" eaLnBrk="0" fontAlgn="base" hangingPunct="0">
-              <a:spcBef>
-                <a:spcPct val="0"/>
-              </a:spcBef>
-              <a:spcAft>
-                <a:spcPct val="0"/>
-              </a:spcAft>
-              <a:defRPr sz="2400">
-                <a:solidFill>
-                  <a:schemeClr val="tx1"/>
-                </a:solidFill>
-                <a:latin typeface="Times" pitchFamily="2" charset="0"/>
-                <a:ea typeface="ＭＳ Ｐゴシック" panose="020B0600070205080204" pitchFamily="34" charset="-128"/>
-              </a:defRPr>
-            </a:lvl6pPr>
-            <a:lvl7pPr marL="2971800" indent="-228600" eaLnBrk="0" fontAlgn="base" hangingPunct="0">
-              <a:spcBef>
-                <a:spcPct val="0"/>
-              </a:spcBef>
-              <a:spcAft>
-                <a:spcPct val="0"/>
-              </a:spcAft>
-              <a:defRPr sz="2400">
-                <a:solidFill>
-                  <a:schemeClr val="tx1"/>
-                </a:solidFill>
-                <a:latin typeface="Times" pitchFamily="2" charset="0"/>
-                <a:ea typeface="ＭＳ Ｐゴシック" panose="020B0600070205080204" pitchFamily="34" charset="-128"/>
-              </a:defRPr>
-            </a:lvl7pPr>
-            <a:lvl8pPr marL="3429000" indent="-228600" eaLnBrk="0" fontAlgn="base" hangingPunct="0">
-              <a:spcBef>
-                <a:spcPct val="0"/>
-              </a:spcBef>
-              <a:spcAft>
-                <a:spcPct val="0"/>
-              </a:spcAft>
-              <a:defRPr sz="2400">
-                <a:solidFill>
-                  <a:schemeClr val="tx1"/>
-                </a:solidFill>
-                <a:latin typeface="Times" pitchFamily="2" charset="0"/>
-                <a:ea typeface="ＭＳ Ｐゴシック" panose="020B0600070205080204" pitchFamily="34" charset="-128"/>
-              </a:defRPr>
-            </a:lvl8pPr>
-            <a:lvl9pPr marL="3886200" indent="-228600" eaLnBrk="0" fontAlgn="base" hangingPunct="0">
-              <a:spcBef>
-                <a:spcPct val="0"/>
-              </a:spcBef>
-              <a:spcAft>
-                <a:spcPct val="0"/>
-              </a:spcAft>
-              <a:defRPr sz="2400">
-                <a:solidFill>
-                  <a:schemeClr val="tx1"/>
-                </a:solidFill>
-                <a:latin typeface="Times" pitchFamily="2" charset="0"/>
-                <a:ea typeface="ＭＳ Ｐゴシック" panose="020B0600070205080204" pitchFamily="34" charset="-128"/>
-              </a:defRPr>
-            </a:lvl9pPr>
-          </a:lstStyle>
-          <a:p>
-            <a:pPr algn="just">
-              <a:spcBef>
-                <a:spcPct val="50000"/>
-              </a:spcBef>
-            </a:pPr>
-            <a:r>
-              <a:rPr lang="en-GB" altLang="en-US" sz="2122" b="1" dirty="0">
-                <a:solidFill>
-                  <a:srgbClr val="FF7F00"/>
-                </a:solidFill>
-                <a:latin typeface="Arial" panose="020B0604020202020204" pitchFamily="34" charset="0"/>
-              </a:rPr>
-              <a:t>2. Linear look ahead model</a:t>
-            </a:r>
-          </a:p>
-        </p:txBody>
-      </p:sp>
-      <p:pic>
-        <p:nvPicPr>
-          <p:cNvPr id="13395" name="Picture 2">
-            <a:extLst>
-              <a:ext uri="{FF2B5EF4-FFF2-40B4-BE49-F238E27FC236}">
-                <a16:creationId xmlns:a16="http://schemas.microsoft.com/office/drawing/2014/main" id="{69A8F26F-7DE0-BB48-ACAE-E93F97F19E24}"/>
-              </a:ext>
-            </a:extLst>
-          </p:cNvPr>
-          <p:cNvPicPr>
-            <a:picLocks noChangeAspect="1"/>
-          </p:cNvPicPr>
-          <p:nvPr/>
-        </p:nvPicPr>
-        <p:blipFill>
-          <a:blip r:embed="rId4">
-            <a:extLst>
-              <a:ext uri="{28A0092B-C50C-407E-A947-70E740481C1C}">
-                <a14:useLocalDpi xmlns:a14="http://schemas.microsoft.com/office/drawing/2010/main" val="0"/>
-              </a:ext>
-            </a:extLst>
-          </a:blip>
-          <a:srcRect/>
-          <a:stretch>
-            <a:fillRect/>
-          </a:stretch>
-        </p:blipFill>
-        <p:spPr bwMode="auto">
-          <a:xfrm>
-            <a:off x="20534552" y="22839682"/>
-            <a:ext cx="5330135" cy="2735245"/>
-          </a:xfrm>
-          <a:prstGeom prst="rect">
-            <a:avLst/>
-          </a:prstGeom>
-          <a:noFill/>
-          <a:ln>
-            <a:noFill/>
-          </a:ln>
-          <a:extLst>
-            <a:ext uri="{909E8E84-426E-40DD-AFC4-6F175D3DCCD1}">
-              <a14:hiddenFill xmlns:a14="http://schemas.microsoft.com/office/drawing/2010/main">
-                <a:solidFill>
-                  <a:srgbClr val="FFFFFF"/>
-                </a:solidFill>
-              </a14:hiddenFill>
-            </a:ext>
-            <a:ext uri="{91240B29-F687-4F45-9708-019B960494DF}">
-              <a14:hiddenLine xmlns:a14="http://schemas.microsoft.com/office/drawing/2010/main" w="9525">
-                <a:solidFill>
-                  <a:srgbClr val="000000"/>
-                </a:solidFill>
-                <a:miter lim="800000"/>
-                <a:headEnd/>
-                <a:tailEnd/>
-              </a14:hiddenLine>
-            </a:ext>
-          </a:extLst>
-        </p:spPr>
-      </p:pic>
-      <p:pic>
-        <p:nvPicPr>
-          <p:cNvPr id="13396" name="Picture 4">
-            <a:extLst>
-              <a:ext uri="{FF2B5EF4-FFF2-40B4-BE49-F238E27FC236}">
-                <a16:creationId xmlns:a16="http://schemas.microsoft.com/office/drawing/2014/main" id="{2E23BFE3-4FAB-ED45-9958-4B335E349771}"/>
-              </a:ext>
-            </a:extLst>
-          </p:cNvPr>
-          <p:cNvPicPr>
-            <a:picLocks noChangeAspect="1"/>
-          </p:cNvPicPr>
-          <p:nvPr/>
-        </p:nvPicPr>
-        <p:blipFill>
-          <a:blip r:embed="rId5">
-            <a:extLst>
-              <a:ext uri="{28A0092B-C50C-407E-A947-70E740481C1C}">
-                <a14:useLocalDpi xmlns:a14="http://schemas.microsoft.com/office/drawing/2010/main" val="0"/>
-              </a:ext>
-            </a:extLst>
-          </a:blip>
-          <a:srcRect/>
-          <a:stretch>
-            <a:fillRect/>
-          </a:stretch>
-        </p:blipFill>
-        <p:spPr bwMode="auto">
-          <a:xfrm>
-            <a:off x="26153256" y="23211343"/>
-            <a:ext cx="3166417" cy="1643842"/>
-          </a:xfrm>
-          <a:prstGeom prst="rect">
-            <a:avLst/>
-          </a:prstGeom>
-          <a:noFill/>
-          <a:ln>
-            <a:noFill/>
-          </a:ln>
-          <a:extLst>
-            <a:ext uri="{909E8E84-426E-40DD-AFC4-6F175D3DCCD1}">
-              <a14:hiddenFill xmlns:a14="http://schemas.microsoft.com/office/drawing/2010/main">
-                <a:solidFill>
-                  <a:srgbClr val="FFFFFF"/>
-                </a:solidFill>
-              </a14:hiddenFill>
-            </a:ext>
-            <a:ext uri="{91240B29-F687-4F45-9708-019B960494DF}">
-              <a14:hiddenLine xmlns:a14="http://schemas.microsoft.com/office/drawing/2010/main" w="9525">
-                <a:solidFill>
-                  <a:srgbClr val="000000"/>
-                </a:solidFill>
-                <a:miter lim="800000"/>
-                <a:headEnd/>
-                <a:tailEnd/>
-              </a14:hiddenLine>
-            </a:ext>
-          </a:extLst>
-        </p:spPr>
-      </p:pic>
-      <p:sp>
-        <p:nvSpPr>
-          <p:cNvPr id="13397" name="Text Box 57">
-            <a:extLst>
-              <a:ext uri="{FF2B5EF4-FFF2-40B4-BE49-F238E27FC236}">
-                <a16:creationId xmlns:a16="http://schemas.microsoft.com/office/drawing/2014/main" id="{623B9ED4-9AFC-1C43-BAE9-539C1DF47986}"/>
-              </a:ext>
-            </a:extLst>
-          </p:cNvPr>
-          <p:cNvSpPr txBox="1">
-            <a:spLocks noChangeArrowheads="1"/>
-          </p:cNvSpPr>
-          <p:nvPr/>
-        </p:nvSpPr>
-        <p:spPr bwMode="auto">
-          <a:xfrm>
-            <a:off x="20432373" y="25706300"/>
-            <a:ext cx="8912004" cy="2051716"/>
-          </a:xfrm>
-          <a:prstGeom prst="rect">
-            <a:avLst/>
-          </a:prstGeom>
-          <a:noFill/>
-          <a:ln>
-            <a:noFill/>
-          </a:ln>
-          <a:extLst>
-            <a:ext uri="{909E8E84-426E-40DD-AFC4-6F175D3DCCD1}">
-              <a14:hiddenFill xmlns:a14="http://schemas.microsoft.com/office/drawing/2010/main">
-                <a:solidFill>
-                  <a:srgbClr val="FFFFFF"/>
-                </a:solidFill>
-              </a14:hiddenFill>
-            </a:ext>
-            <a:ext uri="{91240B29-F687-4F45-9708-019B960494DF}">
-              <a14:hiddenLine xmlns:a14="http://schemas.microsoft.com/office/drawing/2010/main" w="9525">
-                <a:solidFill>
-                  <a:srgbClr val="000000"/>
-                </a:solidFill>
-                <a:miter lim="800000"/>
-                <a:headEnd/>
-                <a:tailEnd/>
-              </a14:hiddenLine>
-            </a:ext>
-          </a:extLst>
-        </p:spPr>
-        <p:txBody>
-          <a:bodyPr>
-            <a:spAutoFit/>
-          </a:bodyPr>
-          <a:lstStyle>
-            <a:lvl1pPr eaLnBrk="0" hangingPunct="0">
-              <a:defRPr sz="2400">
-                <a:solidFill>
-                  <a:schemeClr val="tx1"/>
-                </a:solidFill>
-                <a:latin typeface="Times" pitchFamily="2" charset="0"/>
-                <a:ea typeface="ＭＳ Ｐゴシック" panose="020B0600070205080204" pitchFamily="34" charset="-128"/>
-              </a:defRPr>
-            </a:lvl1pPr>
-            <a:lvl2pPr marL="742950" indent="-285750" eaLnBrk="0" hangingPunct="0">
-              <a:defRPr sz="2400">
-                <a:solidFill>
-                  <a:schemeClr val="tx1"/>
-                </a:solidFill>
-                <a:latin typeface="Times" pitchFamily="2" charset="0"/>
-                <a:ea typeface="ＭＳ Ｐゴシック" panose="020B0600070205080204" pitchFamily="34" charset="-128"/>
-              </a:defRPr>
-            </a:lvl2pPr>
-            <a:lvl3pPr marL="1143000" indent="-228600" eaLnBrk="0" hangingPunct="0">
-              <a:defRPr sz="2400">
-                <a:solidFill>
-                  <a:schemeClr val="tx1"/>
-                </a:solidFill>
-                <a:latin typeface="Times" pitchFamily="2" charset="0"/>
-                <a:ea typeface="ＭＳ Ｐゴシック" panose="020B0600070205080204" pitchFamily="34" charset="-128"/>
-              </a:defRPr>
-            </a:lvl3pPr>
-            <a:lvl4pPr marL="1600200" indent="-228600" eaLnBrk="0" hangingPunct="0">
-              <a:defRPr sz="2400">
-                <a:solidFill>
-                  <a:schemeClr val="tx1"/>
-                </a:solidFill>
-                <a:latin typeface="Times" pitchFamily="2" charset="0"/>
-                <a:ea typeface="ＭＳ Ｐゴシック" panose="020B0600070205080204" pitchFamily="34" charset="-128"/>
-              </a:defRPr>
-            </a:lvl4pPr>
-            <a:lvl5pPr marL="2057400" indent="-228600" eaLnBrk="0" hangingPunct="0">
-              <a:defRPr sz="2400">
-                <a:solidFill>
-                  <a:schemeClr val="tx1"/>
-                </a:solidFill>
-                <a:latin typeface="Times" pitchFamily="2" charset="0"/>
-                <a:ea typeface="ＭＳ Ｐゴシック" panose="020B0600070205080204" pitchFamily="34" charset="-128"/>
-              </a:defRPr>
-            </a:lvl5pPr>
-            <a:lvl6pPr marL="2514600" indent="-228600" eaLnBrk="0" fontAlgn="base" hangingPunct="0">
-              <a:spcBef>
-                <a:spcPct val="0"/>
-              </a:spcBef>
-              <a:spcAft>
-                <a:spcPct val="0"/>
-              </a:spcAft>
-              <a:defRPr sz="2400">
-                <a:solidFill>
-                  <a:schemeClr val="tx1"/>
-                </a:solidFill>
-                <a:latin typeface="Times" pitchFamily="2" charset="0"/>
-                <a:ea typeface="ＭＳ Ｐゴシック" panose="020B0600070205080204" pitchFamily="34" charset="-128"/>
-              </a:defRPr>
-            </a:lvl6pPr>
-            <a:lvl7pPr marL="2971800" indent="-228600" eaLnBrk="0" fontAlgn="base" hangingPunct="0">
-              <a:spcBef>
-                <a:spcPct val="0"/>
-              </a:spcBef>
-              <a:spcAft>
-                <a:spcPct val="0"/>
-              </a:spcAft>
-              <a:defRPr sz="2400">
-                <a:solidFill>
-                  <a:schemeClr val="tx1"/>
-                </a:solidFill>
-                <a:latin typeface="Times" pitchFamily="2" charset="0"/>
-                <a:ea typeface="ＭＳ Ｐゴシック" panose="020B0600070205080204" pitchFamily="34" charset="-128"/>
-              </a:defRPr>
-            </a:lvl7pPr>
-            <a:lvl8pPr marL="3429000" indent="-228600" eaLnBrk="0" fontAlgn="base" hangingPunct="0">
-              <a:spcBef>
-                <a:spcPct val="0"/>
-              </a:spcBef>
-              <a:spcAft>
-                <a:spcPct val="0"/>
-              </a:spcAft>
-              <a:defRPr sz="2400">
-                <a:solidFill>
-                  <a:schemeClr val="tx1"/>
-                </a:solidFill>
-                <a:latin typeface="Times" pitchFamily="2" charset="0"/>
-                <a:ea typeface="ＭＳ Ｐゴシック" panose="020B0600070205080204" pitchFamily="34" charset="-128"/>
-              </a:defRPr>
-            </a:lvl8pPr>
-            <a:lvl9pPr marL="3886200" indent="-228600" eaLnBrk="0" fontAlgn="base" hangingPunct="0">
-              <a:spcBef>
-                <a:spcPct val="0"/>
-              </a:spcBef>
-              <a:spcAft>
-                <a:spcPct val="0"/>
-              </a:spcAft>
-              <a:defRPr sz="2400">
-                <a:solidFill>
-                  <a:schemeClr val="tx1"/>
-                </a:solidFill>
-                <a:latin typeface="Times" pitchFamily="2" charset="0"/>
-                <a:ea typeface="ＭＳ Ｐゴシック" panose="020B0600070205080204" pitchFamily="34" charset="-128"/>
-              </a:defRPr>
-            </a:lvl9pPr>
-          </a:lstStyle>
-          <a:p>
-            <a:pPr algn="just">
-              <a:spcBef>
-                <a:spcPct val="50000"/>
-              </a:spcBef>
-            </a:pPr>
-            <a:r>
-              <a:rPr lang="en-GB" altLang="en-US" sz="2122">
-                <a:solidFill>
-                  <a:srgbClr val="000000"/>
-                </a:solidFill>
-                <a:latin typeface="Arial" panose="020B0604020202020204" pitchFamily="34" charset="0"/>
-              </a:rPr>
-              <a:t>Velocity input is decoupled from self-motion, the represented position sweeps away from </a:t>
-            </a:r>
-            <a:r>
-              <a:rPr lang="en-GB" altLang="en-US" sz="2122" i="1">
-                <a:solidFill>
-                  <a:srgbClr val="000000"/>
-                </a:solidFill>
-                <a:latin typeface="Arial" panose="020B0604020202020204" pitchFamily="34" charset="0"/>
-              </a:rPr>
-              <a:t>Start</a:t>
-            </a:r>
-            <a:r>
-              <a:rPr lang="en-GB" altLang="en-US" sz="2122" baseline="30000">
-                <a:solidFill>
-                  <a:srgbClr val="000000"/>
-                </a:solidFill>
-                <a:latin typeface="Arial" panose="020B0604020202020204" pitchFamily="34" charset="0"/>
-              </a:rPr>
-              <a:t>2</a:t>
-            </a:r>
-            <a:r>
-              <a:rPr lang="en-GB" altLang="en-US" sz="2122">
-                <a:solidFill>
-                  <a:srgbClr val="000000"/>
-                </a:solidFill>
-                <a:latin typeface="Arial" panose="020B0604020202020204" pitchFamily="34" charset="0"/>
-              </a:rPr>
-              <a:t>. The firing rate of a cell that integrates activity in the network encodes </a:t>
-            </a:r>
-            <a:r>
-              <a:rPr lang="en-GB" altLang="en-US" sz="2122" i="1">
-                <a:solidFill>
-                  <a:srgbClr val="000000"/>
-                </a:solidFill>
-                <a:latin typeface="Arial" panose="020B0604020202020204" pitchFamily="34" charset="0"/>
-              </a:rPr>
-              <a:t>dx</a:t>
-            </a:r>
-            <a:r>
-              <a:rPr lang="en-GB" altLang="en-US" sz="2122">
-                <a:solidFill>
-                  <a:srgbClr val="000000"/>
-                </a:solidFill>
-                <a:latin typeface="Arial" panose="020B0604020202020204" pitchFamily="34" charset="0"/>
-              </a:rPr>
-              <a:t> when grid cells representing </a:t>
-            </a:r>
-            <a:r>
-              <a:rPr lang="en-GB" altLang="en-US" sz="2122" i="1">
-                <a:solidFill>
-                  <a:srgbClr val="000000"/>
-                </a:solidFill>
-                <a:latin typeface="Arial" panose="020B0604020202020204" pitchFamily="34" charset="0"/>
-              </a:rPr>
-              <a:t>Goal</a:t>
-            </a:r>
-            <a:r>
-              <a:rPr lang="en-GB" altLang="en-US" sz="2122">
-                <a:solidFill>
-                  <a:srgbClr val="000000"/>
-                </a:solidFill>
-                <a:latin typeface="Arial" panose="020B0604020202020204" pitchFamily="34" charset="0"/>
-              </a:rPr>
-              <a:t> are simultaneously active in each module. 2D vectors are handled with sweeps along two non-collinear axes, in which grid cells that share a phase</a:t>
-            </a:r>
-            <a:r>
-              <a:rPr lang="en-GB" altLang="en-US" sz="2122" baseline="-25000">
-                <a:solidFill>
-                  <a:srgbClr val="000000"/>
-                </a:solidFill>
-                <a:latin typeface="Arial" panose="020B0604020202020204" pitchFamily="34" charset="0"/>
-              </a:rPr>
-              <a:t> </a:t>
-            </a:r>
-            <a:r>
-              <a:rPr lang="en-GB" altLang="en-US" sz="2122">
-                <a:solidFill>
-                  <a:srgbClr val="000000"/>
-                </a:solidFill>
-                <a:latin typeface="Arial" panose="020B0604020202020204" pitchFamily="34" charset="0"/>
-              </a:rPr>
-              <a:t>on each axis in each module are simultaneously active </a:t>
-            </a:r>
-          </a:p>
-        </p:txBody>
-      </p:sp>
-      <p:pic>
-        <p:nvPicPr>
-          <p:cNvPr id="13398" name="Picture 5">
-            <a:extLst>
-              <a:ext uri="{FF2B5EF4-FFF2-40B4-BE49-F238E27FC236}">
-                <a16:creationId xmlns:a16="http://schemas.microsoft.com/office/drawing/2014/main" id="{73475734-2DC9-2B48-A9C3-F61E1B9FFC66}"/>
-              </a:ext>
-            </a:extLst>
-          </p:cNvPr>
-          <p:cNvPicPr>
-            <a:picLocks noChangeAspect="1"/>
-          </p:cNvPicPr>
-          <p:nvPr/>
-        </p:nvPicPr>
-        <p:blipFill>
-          <a:blip r:embed="rId6">
-            <a:extLst>
-              <a:ext uri="{28A0092B-C50C-407E-A947-70E740481C1C}">
-                <a14:useLocalDpi xmlns:a14="http://schemas.microsoft.com/office/drawing/2010/main" val="0"/>
-              </a:ext>
-            </a:extLst>
-          </a:blip>
-          <a:srcRect/>
-          <a:stretch>
-            <a:fillRect/>
-          </a:stretch>
-        </p:blipFill>
-        <p:spPr bwMode="auto">
-          <a:xfrm>
-            <a:off x="20656941" y="15159436"/>
-            <a:ext cx="8848002" cy="3556044"/>
-          </a:xfrm>
-          <a:prstGeom prst="rect">
-            <a:avLst/>
-          </a:prstGeom>
-          <a:noFill/>
-          <a:ln>
-            <a:noFill/>
-          </a:ln>
-          <a:extLst>
-            <a:ext uri="{909E8E84-426E-40DD-AFC4-6F175D3DCCD1}">
-              <a14:hiddenFill xmlns:a14="http://schemas.microsoft.com/office/drawing/2010/main">
-                <a:solidFill>
-                  <a:srgbClr val="FFFFFF"/>
-                </a:solidFill>
-              </a14:hiddenFill>
-            </a:ext>
-            <a:ext uri="{91240B29-F687-4F45-9708-019B960494DF}">
-              <a14:hiddenLine xmlns:a14="http://schemas.microsoft.com/office/drawing/2010/main" w="9525">
-                <a:solidFill>
-                  <a:srgbClr val="000000"/>
-                </a:solidFill>
-                <a:miter lim="800000"/>
-                <a:headEnd/>
-                <a:tailEnd/>
-              </a14:hiddenLine>
-            </a:ext>
-          </a:extLst>
-        </p:spPr>
-      </p:pic>
+          </a:p>
+        </p:txBody>
+      </p:sp>
       <p:pic>
         <p:nvPicPr>
           <p:cNvPr id="2" name="Picture 1">
@@ -6612,7 +5265,7 @@
           <p:nvPr/>
         </p:nvPicPr>
         <p:blipFill>
-          <a:blip r:embed="rId7"/>
+          <a:blip r:embed="rId3"/>
           <a:stretch>
             <a:fillRect/>
           </a:stretch>
@@ -6642,7 +5295,7 @@
           <p:nvPr/>
         </p:nvPicPr>
         <p:blipFill>
-          <a:blip r:embed="rId8" cstate="hqprint">
+          <a:blip r:embed="rId4" cstate="hqprint">
             <a:extLst>
               <a:ext uri="{28A0092B-C50C-407E-A947-70E740481C1C}">
                 <a14:useLocalDpi xmlns:a14="http://schemas.microsoft.com/office/drawing/2010/main" val="0"/>
@@ -6678,7 +5331,7 @@
           <p:nvPr/>
         </p:nvPicPr>
         <p:blipFill>
-          <a:blip r:embed="rId9"/>
+          <a:blip r:embed="rId5"/>
           <a:stretch>
             <a:fillRect/>
           </a:stretch>
@@ -6708,7 +5361,7 @@
           <p:nvPr/>
         </p:nvPicPr>
         <p:blipFill rotWithShape="1">
-          <a:blip r:embed="rId10"/>
+          <a:blip r:embed="rId6"/>
           <a:srcRect t="15274" b="27034"/>
           <a:stretch/>
         </p:blipFill>
@@ -6736,8 +5389,8 @@
         </p:nvSpPr>
         <p:spPr bwMode="auto">
           <a:xfrm>
-            <a:off x="15807506" y="28095709"/>
-            <a:ext cx="13746073" cy="2814166"/>
+            <a:off x="15807506" y="28095708"/>
+            <a:ext cx="13746073" cy="12586683"/>
           </a:xfrm>
           <a:prstGeom prst="roundRect">
             <a:avLst>
@@ -6780,7 +5433,7 @@
           <p:nvPr/>
         </p:nvPicPr>
         <p:blipFill rotWithShape="1">
-          <a:blip r:embed="rId11">
+          <a:blip r:embed="rId7">
             <a:extLst>
               <a:ext uri="{28A0092B-C50C-407E-A947-70E740481C1C}">
                 <a14:useLocalDpi xmlns:a14="http://schemas.microsoft.com/office/drawing/2010/main" val="0"/>
@@ -6964,7 +5617,7 @@
               </a:spcBef>
             </a:pPr>
             <a:r>
-              <a:rPr lang="en-GB" altLang="en-US" sz="3000" b="1" dirty="0" smtClean="0">
+              <a:rPr lang="en-GB" altLang="en-US" sz="3000" b="1" dirty="0">
                 <a:solidFill>
                   <a:srgbClr val="FF7F00"/>
                 </a:solidFill>
@@ -6972,12 +5625,6 @@
               </a:rPr>
               <a:t>Simultaneous neural recordings</a:t>
             </a:r>
-            <a:endParaRPr lang="en-GB" altLang="en-US" sz="3000" b="1" dirty="0">
-              <a:solidFill>
-                <a:srgbClr val="FF7F00"/>
-              </a:solidFill>
-              <a:latin typeface="Arial" panose="020B0604020202020204" pitchFamily="34" charset="0"/>
-            </a:endParaRPr>
           </a:p>
         </p:txBody>
       </p:sp>
@@ -7053,7 +5700,7 @@
             <p:nvPr/>
           </p:nvPicPr>
           <p:blipFill rotWithShape="1">
-            <a:blip r:embed="rId11">
+            <a:blip r:embed="rId7">
               <a:extLst>
                 <a:ext uri="{28A0092B-C50C-407E-A947-70E740481C1C}">
                   <a14:useLocalDpi xmlns:a14="http://schemas.microsoft.com/office/drawing/2010/main" val="0"/>
@@ -7096,7 +5743,7 @@
             <a:lstStyle/>
             <a:p>
               <a:r>
-                <a:rPr lang="en-GB" sz="3000" dirty="0" smtClean="0">
+                <a:rPr lang="en-GB" sz="3000" dirty="0">
                   <a:solidFill>
                     <a:schemeClr val="bg1"/>
                   </a:solidFill>
@@ -7105,13 +5752,6 @@
                 </a:rPr>
                 <a:t>CA1</a:t>
               </a:r>
-              <a:endParaRPr lang="en-GB" sz="3000" dirty="0">
-                <a:solidFill>
-                  <a:schemeClr val="bg1"/>
-                </a:solidFill>
-                <a:latin typeface="Arial" panose="020B0604020202020204" pitchFamily="34" charset="0"/>
-                <a:cs typeface="Arial" panose="020B0604020202020204" pitchFamily="34" charset="0"/>
-              </a:endParaRPr>
             </a:p>
           </p:txBody>
         </p:sp>
@@ -7125,7 +5765,7 @@
           <p:nvPr/>
         </p:nvPicPr>
         <p:blipFill rotWithShape="1">
-          <a:blip r:embed="rId11">
+          <a:blip r:embed="rId7">
             <a:extLst>
               <a:ext uri="{28A0092B-C50C-407E-A947-70E740481C1C}">
                 <a14:useLocalDpi xmlns:a14="http://schemas.microsoft.com/office/drawing/2010/main" val="0"/>
@@ -7168,7 +5808,7 @@
           <a:p>
             <a:pPr algn="r"/>
             <a:r>
-              <a:rPr lang="en-GB" altLang="en-US" sz="3200" dirty="0" smtClean="0">
+              <a:rPr lang="en-GB" altLang="en-US" sz="3200" dirty="0">
                 <a:solidFill>
                   <a:schemeClr val="bg2">
                     <a:lumMod val="75000"/>
@@ -7182,7 +5822,7 @@
           <a:p>
             <a:pPr algn="r"/>
             <a:r>
-              <a:rPr lang="en-GB" sz="3200" dirty="0" smtClean="0">
+              <a:rPr lang="en-GB" sz="3200" dirty="0">
                 <a:solidFill>
                   <a:schemeClr val="bg2">
                     <a:lumMod val="75000"/>
@@ -7196,7 +5836,7 @@
           <a:p>
             <a:pPr algn="ctr"/>
             <a:r>
-              <a:rPr lang="en-GB" sz="3200" dirty="0" smtClean="0">
+              <a:rPr lang="en-GB" sz="3200" dirty="0">
                 <a:solidFill>
                   <a:schemeClr val="bg2">
                     <a:lumMod val="75000"/>
@@ -7238,7 +5878,7 @@
           <a:lstStyle/>
           <a:p>
             <a:r>
-              <a:rPr lang="en-GB" altLang="en-US" sz="3000" dirty="0" smtClean="0">
+              <a:rPr lang="en-GB" altLang="en-US" sz="3000" dirty="0">
                 <a:latin typeface="Arial" panose="020B0604020202020204" pitchFamily="34" charset="0"/>
               </a:rPr>
               <a:t>GCaMP signals in hippocampus CA1</a:t>
@@ -7246,13 +5886,13 @@
           </a:p>
           <a:p>
             <a:r>
-              <a:rPr lang="en-GB" altLang="en-US" sz="3000" dirty="0" smtClean="0">
+              <a:rPr lang="en-GB" altLang="en-US" sz="3000" dirty="0">
                 <a:latin typeface="Arial" panose="020B0604020202020204" pitchFamily="34" charset="0"/>
               </a:rPr>
               <a:t>Multi-unit spiking activities in the lateral septum (LS) and neocortex, smoothened at 330 </a:t>
             </a:r>
             <a:r>
-              <a:rPr lang="en-GB" altLang="en-US" sz="3000" dirty="0" err="1" smtClean="0">
+              <a:rPr lang="en-GB" altLang="en-US" sz="3000" dirty="0" err="1">
                 <a:latin typeface="Arial" panose="020B0604020202020204" pitchFamily="34" charset="0"/>
               </a:rPr>
               <a:t>ms</a:t>
@@ -7270,7 +5910,7 @@
           <p:nvPr/>
         </p:nvPicPr>
         <p:blipFill>
-          <a:blip r:embed="rId12" cstate="print">
+          <a:blip r:embed="rId8" cstate="print">
             <a:extLst>
               <a:ext uri="{28A0092B-C50C-407E-A947-70E740481C1C}">
                 <a14:useLocalDpi xmlns:a14="http://schemas.microsoft.com/office/drawing/2010/main" val="0"/>
@@ -7318,7 +5958,7 @@
               </a:spcBef>
             </a:pPr>
             <a:r>
-              <a:rPr lang="en-GB" altLang="en-US" sz="3000" b="1" dirty="0" smtClean="0">
+              <a:rPr lang="en-GB" altLang="en-US" sz="3000" b="1" dirty="0">
                 <a:solidFill>
                   <a:srgbClr val="FF7F00"/>
                 </a:solidFill>
@@ -7326,12 +5966,6 @@
               </a:rPr>
               <a:t>Transformer learns endogenous activities</a:t>
             </a:r>
-            <a:endParaRPr lang="en-GB" altLang="en-US" sz="3000" b="1" dirty="0">
-              <a:solidFill>
-                <a:srgbClr val="FF7F00"/>
-              </a:solidFill>
-              <a:latin typeface="Arial" panose="020B0604020202020204" pitchFamily="34" charset="0"/>
-            </a:endParaRPr>
           </a:p>
         </p:txBody>
       </p:sp>
@@ -7362,7 +5996,7 @@
               </a:spcBef>
             </a:pPr>
             <a:r>
-              <a:rPr lang="en-GB" altLang="en-US" sz="3000" b="1" dirty="0" smtClean="0">
+              <a:rPr lang="en-GB" altLang="en-US" sz="3000" b="1" dirty="0">
                 <a:solidFill>
                   <a:srgbClr val="FF7F00"/>
                 </a:solidFill>
@@ -7370,12 +6004,6 @@
               </a:rPr>
               <a:t>Stimuli injection</a:t>
             </a:r>
-            <a:endParaRPr lang="en-GB" altLang="en-US" sz="3000" b="1" dirty="0">
-              <a:solidFill>
-                <a:srgbClr val="FF7F00"/>
-              </a:solidFill>
-              <a:latin typeface="Arial" panose="020B0604020202020204" pitchFamily="34" charset="0"/>
-            </a:endParaRPr>
           </a:p>
         </p:txBody>
       </p:sp>
@@ -7387,7 +6015,7 @@
         </p:nvGrpSpPr>
         <p:grpSpPr>
           <a:xfrm>
-            <a:off x="5411031" y="16341814"/>
+            <a:off x="3403068" y="16845090"/>
             <a:ext cx="9896475" cy="8591550"/>
             <a:chOff x="1066312" y="16263635"/>
             <a:chExt cx="9896475" cy="8591550"/>
@@ -7402,7 +6030,7 @@
             <p:nvPr/>
           </p:nvPicPr>
           <p:blipFill>
-            <a:blip r:embed="rId13"/>
+            <a:blip r:embed="rId9"/>
             <a:stretch>
               <a:fillRect/>
             </a:stretch>
@@ -7455,7 +6083,7 @@
               <a:p>
                 <a:pPr algn="ctr"/>
                 <a:r>
-                  <a:rPr lang="en-GB" sz="3000" dirty="0" smtClean="0">
+                  <a:rPr lang="en-GB" sz="3000" dirty="0">
                     <a:latin typeface="Arial" panose="020B0604020202020204" pitchFamily="34" charset="0"/>
                     <a:cs typeface="Arial" panose="020B0604020202020204" pitchFamily="34" charset="0"/>
                   </a:rPr>
@@ -7465,16 +6093,12 @@
               <a:p>
                 <a:pPr algn="ctr"/>
                 <a:r>
-                  <a:rPr lang="en-GB" sz="3000" dirty="0" smtClean="0">
+                  <a:rPr lang="en-GB" sz="3000" dirty="0">
                     <a:latin typeface="Arial" panose="020B0604020202020204" pitchFamily="34" charset="0"/>
                     <a:cs typeface="Arial" panose="020B0604020202020204" pitchFamily="34" charset="0"/>
                   </a:rPr>
                   <a:t>signals</a:t>
                 </a:r>
-                <a:endParaRPr lang="en-GB" sz="3000" dirty="0">
-                  <a:latin typeface="Arial" panose="020B0604020202020204" pitchFamily="34" charset="0"/>
-                  <a:cs typeface="Arial" panose="020B0604020202020204" pitchFamily="34" charset="0"/>
-                </a:endParaRPr>
               </a:p>
             </p:txBody>
           </p:sp>
@@ -7502,7 +6126,7 @@
               <a:p>
                 <a:pPr algn="ctr"/>
                 <a:r>
-                  <a:rPr lang="en-GB" sz="3000" dirty="0" smtClean="0">
+                  <a:rPr lang="en-GB" sz="3000" dirty="0">
                     <a:latin typeface="Arial" panose="020B0604020202020204" pitchFamily="34" charset="0"/>
                     <a:cs typeface="Arial" panose="020B0604020202020204" pitchFamily="34" charset="0"/>
                   </a:rPr>
@@ -7512,16 +6136,12 @@
               <a:p>
                 <a:pPr algn="ctr"/>
                 <a:r>
-                  <a:rPr lang="en-GB" sz="3000" dirty="0" smtClean="0">
+                  <a:rPr lang="en-GB" sz="3000" dirty="0">
                     <a:latin typeface="Arial" panose="020B0604020202020204" pitchFamily="34" charset="0"/>
                     <a:cs typeface="Arial" panose="020B0604020202020204" pitchFamily="34" charset="0"/>
                   </a:rPr>
                   <a:t>Encoder</a:t>
                 </a:r>
-                <a:endParaRPr lang="en-GB" sz="3000" dirty="0">
-                  <a:latin typeface="Arial" panose="020B0604020202020204" pitchFamily="34" charset="0"/>
-                  <a:cs typeface="Arial" panose="020B0604020202020204" pitchFamily="34" charset="0"/>
-                </a:endParaRPr>
               </a:p>
             </p:txBody>
           </p:sp>
@@ -7549,7 +6169,7 @@
               <a:p>
                 <a:pPr algn="ctr"/>
                 <a:r>
-                  <a:rPr lang="en-GB" sz="3000" dirty="0" smtClean="0">
+                  <a:rPr lang="en-GB" sz="3000" dirty="0">
                     <a:latin typeface="Arial" panose="020B0604020202020204" pitchFamily="34" charset="0"/>
                     <a:cs typeface="Arial" panose="020B0604020202020204" pitchFamily="34" charset="0"/>
                   </a:rPr>
@@ -7559,16 +6179,12 @@
               <a:p>
                 <a:pPr algn="ctr"/>
                 <a:r>
-                  <a:rPr lang="en-GB" sz="3000" dirty="0" smtClean="0">
+                  <a:rPr lang="en-GB" sz="3000" dirty="0">
                     <a:latin typeface="Arial" panose="020B0604020202020204" pitchFamily="34" charset="0"/>
                     <a:cs typeface="Arial" panose="020B0604020202020204" pitchFamily="34" charset="0"/>
                   </a:rPr>
                   <a:t>spiking rates</a:t>
                 </a:r>
-                <a:endParaRPr lang="en-GB" sz="3000" dirty="0">
-                  <a:latin typeface="Arial" panose="020B0604020202020204" pitchFamily="34" charset="0"/>
-                  <a:cs typeface="Arial" panose="020B0604020202020204" pitchFamily="34" charset="0"/>
-                </a:endParaRPr>
               </a:p>
             </p:txBody>
           </p:sp>
@@ -7576,14 +6192,20 @@
       </p:grpSp>
       <p:pic>
         <p:nvPicPr>
-          <p:cNvPr id="29" name="Picture 28"/>
+          <p:cNvPr id="6" name="Picture 5" descr="A graph of different colored bars&#10;&#10;Description automatically generated">
+            <a:extLst>
+              <a:ext uri="{FF2B5EF4-FFF2-40B4-BE49-F238E27FC236}">
+                <a16:creationId xmlns:a16="http://schemas.microsoft.com/office/drawing/2014/main" id="{51C4A2A7-5F51-8124-D01A-543D28B86A70}"/>
+              </a:ext>
+            </a:extLst>
+          </p:cNvPr>
           <p:cNvPicPr>
             <a:picLocks noChangeAspect="1"/>
           </p:cNvPicPr>
           <p:nvPr/>
         </p:nvPicPr>
         <p:blipFill>
-          <a:blip r:embed="rId14" cstate="print">
+          <a:blip r:embed="rId10">
             <a:extLst>
               <a:ext uri="{28A0092B-C50C-407E-A947-70E740481C1C}">
                 <a14:useLocalDpi xmlns:a14="http://schemas.microsoft.com/office/drawing/2010/main" val="0"/>
@@ -7596,8 +6218,43 @@
         </p:blipFill>
         <p:spPr>
           <a:xfrm>
-            <a:off x="1023304" y="27944503"/>
-            <a:ext cx="11503976" cy="6118928"/>
+            <a:off x="3708716" y="28219044"/>
+            <a:ext cx="8692044" cy="4363809"/>
+          </a:xfrm>
+          <a:prstGeom prst="rect">
+            <a:avLst/>
+          </a:prstGeom>
+        </p:spPr>
+      </p:pic>
+      <p:pic>
+        <p:nvPicPr>
+          <p:cNvPr id="11" name="Picture 10" descr="A diagram of different colors&#10;&#10;Description automatically generated">
+            <a:extLst>
+              <a:ext uri="{FF2B5EF4-FFF2-40B4-BE49-F238E27FC236}">
+                <a16:creationId xmlns:a16="http://schemas.microsoft.com/office/drawing/2014/main" id="{FBFC13BC-3129-F290-0702-B3DCAF6F5F92}"/>
+              </a:ext>
+            </a:extLst>
+          </p:cNvPr>
+          <p:cNvPicPr>
+            <a:picLocks noChangeAspect="1"/>
+          </p:cNvPicPr>
+          <p:nvPr/>
+        </p:nvPicPr>
+        <p:blipFill rotWithShape="1">
+          <a:blip r:embed="rId11">
+            <a:extLst>
+              <a:ext uri="{28A0092B-C50C-407E-A947-70E740481C1C}">
+                <a14:useLocalDpi xmlns:a14="http://schemas.microsoft.com/office/drawing/2010/main" val="0"/>
+              </a:ext>
+            </a:extLst>
+          </a:blip>
+          <a:srcRect l="44018" r="1"/>
+          <a:stretch/>
+        </p:blipFill>
+        <p:spPr>
+          <a:xfrm>
+            <a:off x="16017241" y="7239787"/>
+            <a:ext cx="8752553" cy="5297204"/>
           </a:xfrm>
           <a:prstGeom prst="rect">
             <a:avLst/>
@@ -7609,13 +6266,6 @@
   <p:clrMapOvr>
     <a:masterClrMapping/>
   </p:clrMapOvr>
-  <p:timing>
-    <p:tnLst>
-      <p:par>
-        <p:cTn id="1" dur="indefinite" restart="never" nodeType="tmRoot"/>
-      </p:par>
-    </p:tnLst>
-  </p:timing>
 </p:sld>
 </file>
 

--- a/Poster Template Updated 2022.pptx
+++ b/Poster Template Updated 2022.pptx
@@ -4991,8 +4991,8 @@
         </p:nvSpPr>
         <p:spPr bwMode="auto">
           <a:xfrm>
-            <a:off x="641426" y="6349670"/>
-            <a:ext cx="14848032" cy="8358384"/>
+            <a:off x="641426" y="6349669"/>
+            <a:ext cx="14848032" cy="12772651"/>
           </a:xfrm>
           <a:prstGeom prst="roundRect">
             <a:avLst>
@@ -5445,8 +5445,8 @@
         </p:blipFill>
         <p:spPr>
           <a:xfrm>
-            <a:off x="745567" y="7309879"/>
-            <a:ext cx="6401993" cy="6717296"/>
+            <a:off x="9491993" y="6529741"/>
+            <a:ext cx="5762884" cy="6046711"/>
           </a:xfrm>
           <a:prstGeom prst="rect">
             <a:avLst/>
@@ -5642,8 +5642,8 @@
         </p:nvSpPr>
         <p:spPr bwMode="auto">
           <a:xfrm>
-            <a:off x="630722" y="15126950"/>
-            <a:ext cx="14848032" cy="25555442"/>
+            <a:off x="630722" y="19522440"/>
+            <a:ext cx="14848032" cy="21159952"/>
           </a:xfrm>
           <a:prstGeom prst="roundRect">
             <a:avLst>
@@ -5685,8 +5685,8 @@
         </p:nvGrpSpPr>
         <p:grpSpPr>
           <a:xfrm>
-            <a:off x="7348279" y="6689574"/>
-            <a:ext cx="3976121" cy="3371566"/>
+            <a:off x="1021301" y="12431371"/>
+            <a:ext cx="3300210" cy="3039170"/>
             <a:chOff x="7887646" y="6675844"/>
             <a:chExt cx="3693235" cy="3087989"/>
           </a:xfrm>
@@ -5777,8 +5777,8 @@
         </p:blipFill>
         <p:spPr>
           <a:xfrm>
-            <a:off x="11775073" y="6705905"/>
-            <a:ext cx="3501762" cy="3321084"/>
+            <a:off x="1021301" y="15810981"/>
+            <a:ext cx="3300210" cy="3129931"/>
           </a:xfrm>
           <a:prstGeom prst="rect">
             <a:avLst/>
@@ -5793,8 +5793,8 @@
         </p:nvSpPr>
         <p:spPr>
           <a:xfrm>
-            <a:off x="14434926" y="10509257"/>
-            <a:ext cx="1043828" cy="1569660"/>
+            <a:off x="13361452" y="16379600"/>
+            <a:ext cx="2657378" cy="1938992"/>
           </a:xfrm>
           <a:prstGeom prst="rect">
             <a:avLst/>
@@ -5806,9 +5806,9 @@
           </a:bodyPr>
           <a:lstStyle/>
           <a:p>
-            <a:pPr algn="r"/>
-            <a:r>
-              <a:rPr lang="en-GB" altLang="en-US" sz="3200" dirty="0">
+            <a:pPr algn="ctr"/>
+            <a:r>
+              <a:rPr lang="en-GB" altLang="en-US" dirty="0" smtClean="0">
                 <a:solidFill>
                   <a:schemeClr val="bg2">
                     <a:lumMod val="75000"/>
@@ -5816,13 +5816,24 @@
                 </a:solidFill>
                 <a:latin typeface="Arial" panose="020B0604020202020204" pitchFamily="34" charset="0"/>
               </a:rPr>
-              <a:t>CTX</a:t>
-            </a:r>
-          </a:p>
-          <a:p>
-            <a:pPr algn="r"/>
-            <a:r>
-              <a:rPr lang="en-GB" sz="3200" dirty="0">
+              <a:t>CTX 15</a:t>
+            </a:r>
+          </a:p>
+          <a:p>
+            <a:pPr algn="ctr"/>
+            <a:endParaRPr lang="en-GB" altLang="en-US" dirty="0">
+              <a:solidFill>
+                <a:schemeClr val="bg2">
+                  <a:lumMod val="75000"/>
+                </a:schemeClr>
+              </a:solidFill>
+              <a:latin typeface="Arial" panose="020B0604020202020204" pitchFamily="34" charset="0"/>
+            </a:endParaRPr>
+          </a:p>
+          <a:p>
+            <a:pPr algn="ctr"/>
+            <a:r>
+              <a:rPr lang="en-GB" dirty="0" smtClean="0">
                 <a:solidFill>
                   <a:schemeClr val="bg2">
                     <a:lumMod val="75000"/>
@@ -5830,13 +5841,24 @@
                 </a:solidFill>
                 <a:latin typeface="Arial" panose="020B0604020202020204" pitchFamily="34" charset="0"/>
               </a:rPr>
-              <a:t>CTX</a:t>
+              <a:t>CTX 67</a:t>
             </a:r>
           </a:p>
           <a:p>
             <a:pPr algn="ctr"/>
-            <a:r>
-              <a:rPr lang="en-GB" sz="3200" dirty="0">
+            <a:endParaRPr lang="en-GB" dirty="0">
+              <a:solidFill>
+                <a:schemeClr val="bg2">
+                  <a:lumMod val="75000"/>
+                </a:schemeClr>
+              </a:solidFill>
+              <a:latin typeface="Arial" panose="020B0604020202020204" pitchFamily="34" charset="0"/>
+            </a:endParaRPr>
+          </a:p>
+          <a:p>
+            <a:pPr algn="ctr"/>
+            <a:r>
+              <a:rPr lang="en-GB" dirty="0" smtClean="0">
                 <a:solidFill>
                   <a:schemeClr val="bg2">
                     <a:lumMod val="75000"/>
@@ -5844,9 +5866,9 @@
                 </a:solidFill>
                 <a:latin typeface="Arial" panose="020B0604020202020204" pitchFamily="34" charset="0"/>
               </a:rPr>
-              <a:t>LS</a:t>
-            </a:r>
-            <a:endParaRPr lang="en-GB" sz="3200" dirty="0">
+              <a:t>LS 3</a:t>
+            </a:r>
+            <a:endParaRPr lang="en-GB" dirty="0">
               <a:solidFill>
                 <a:schemeClr val="bg2">
                   <a:lumMod val="75000"/>
@@ -5864,7 +5886,7 @@
         </p:nvSpPr>
         <p:spPr>
           <a:xfrm>
-            <a:off x="6332573" y="12717399"/>
+            <a:off x="842145" y="8614050"/>
             <a:ext cx="8649848" cy="1477328"/>
           </a:xfrm>
           <a:prstGeom prst="rect">
@@ -5923,8 +5945,8 @@
         </p:blipFill>
         <p:spPr>
           <a:xfrm>
-            <a:off x="6014550" y="10441011"/>
-            <a:ext cx="8445957" cy="2166072"/>
+            <a:off x="4558230" y="16383000"/>
+            <a:ext cx="9332593" cy="2393461"/>
           </a:xfrm>
           <a:prstGeom prst="rect">
             <a:avLst/>
@@ -5939,7 +5961,7 @@
         </p:nvSpPr>
         <p:spPr>
           <a:xfrm>
-            <a:off x="745567" y="15289893"/>
+            <a:off x="745567" y="19711916"/>
             <a:ext cx="7814575" cy="553998"/>
           </a:xfrm>
           <a:prstGeom prst="rect">
@@ -6007,189 +6029,6 @@
           </a:p>
         </p:txBody>
       </p:sp>
-      <p:grpSp>
-        <p:nvGrpSpPr>
-          <p:cNvPr id="28" name="Group 27"/>
-          <p:cNvGrpSpPr/>
-          <p:nvPr/>
-        </p:nvGrpSpPr>
-        <p:grpSpPr>
-          <a:xfrm>
-            <a:off x="3403068" y="16845090"/>
-            <a:ext cx="9896475" cy="8591550"/>
-            <a:chOff x="1066312" y="16263635"/>
-            <a:chExt cx="9896475" cy="8591550"/>
-          </a:xfrm>
-        </p:grpSpPr>
-        <p:pic>
-          <p:nvPicPr>
-            <p:cNvPr id="26" name="Picture 25"/>
-            <p:cNvPicPr>
-              <a:picLocks noChangeAspect="1"/>
-            </p:cNvPicPr>
-            <p:nvPr/>
-          </p:nvPicPr>
-          <p:blipFill>
-            <a:blip r:embed="rId9"/>
-            <a:stretch>
-              <a:fillRect/>
-            </a:stretch>
-          </p:blipFill>
-          <p:spPr>
-            <a:xfrm>
-              <a:off x="1066312" y="16263635"/>
-              <a:ext cx="9896475" cy="8591550"/>
-            </a:xfrm>
-            <a:prstGeom prst="rect">
-              <a:avLst/>
-            </a:prstGeom>
-          </p:spPr>
-        </p:pic>
-        <p:grpSp>
-          <p:nvGrpSpPr>
-            <p:cNvPr id="27" name="Group 26"/>
-            <p:cNvGrpSpPr/>
-            <p:nvPr/>
-          </p:nvGrpSpPr>
-          <p:grpSpPr>
-            <a:xfrm>
-              <a:off x="6718694" y="16698424"/>
-              <a:ext cx="2704587" cy="6333570"/>
-              <a:chOff x="6718694" y="16698424"/>
-              <a:chExt cx="2704587" cy="6333570"/>
-            </a:xfrm>
-          </p:grpSpPr>
-          <p:sp>
-            <p:nvSpPr>
-              <p:cNvPr id="80" name="TextBox 79"/>
-              <p:cNvSpPr txBox="1"/>
-              <p:nvPr/>
-            </p:nvSpPr>
-            <p:spPr>
-              <a:xfrm>
-                <a:off x="6933497" y="22016331"/>
-                <a:ext cx="2489784" cy="1015663"/>
-              </a:xfrm>
-              <a:prstGeom prst="rect">
-                <a:avLst/>
-              </a:prstGeom>
-              <a:noFill/>
-            </p:spPr>
-            <p:txBody>
-              <a:bodyPr wrap="none" rtlCol="0">
-                <a:spAutoFit/>
-              </a:bodyPr>
-              <a:lstStyle/>
-              <a:p>
-                <a:pPr algn="ctr"/>
-                <a:r>
-                  <a:rPr lang="en-GB" sz="3000" dirty="0">
-                    <a:latin typeface="Arial" panose="020B0604020202020204" pitchFamily="34" charset="0"/>
-                    <a:cs typeface="Arial" panose="020B0604020202020204" pitchFamily="34" charset="0"/>
-                  </a:rPr>
-                  <a:t>Fluorescence</a:t>
-                </a:r>
-              </a:p>
-              <a:p>
-                <a:pPr algn="ctr"/>
-                <a:r>
-                  <a:rPr lang="en-GB" sz="3000" dirty="0">
-                    <a:latin typeface="Arial" panose="020B0604020202020204" pitchFamily="34" charset="0"/>
-                    <a:cs typeface="Arial" panose="020B0604020202020204" pitchFamily="34" charset="0"/>
-                  </a:rPr>
-                  <a:t>signals</a:t>
-                </a:r>
-              </a:p>
-            </p:txBody>
-          </p:sp>
-          <p:sp>
-            <p:nvSpPr>
-              <p:cNvPr id="81" name="TextBox 80"/>
-              <p:cNvSpPr txBox="1"/>
-              <p:nvPr/>
-            </p:nvSpPr>
-            <p:spPr>
-              <a:xfrm>
-                <a:off x="6933497" y="19222197"/>
-                <a:ext cx="2263889" cy="1015663"/>
-              </a:xfrm>
-              <a:prstGeom prst="rect">
-                <a:avLst/>
-              </a:prstGeom>
-              <a:noFill/>
-            </p:spPr>
-            <p:txBody>
-              <a:bodyPr wrap="none" rtlCol="0">
-                <a:spAutoFit/>
-              </a:bodyPr>
-              <a:lstStyle/>
-              <a:p>
-                <a:pPr algn="ctr"/>
-                <a:r>
-                  <a:rPr lang="en-GB" sz="3000" dirty="0">
-                    <a:latin typeface="Arial" panose="020B0604020202020204" pitchFamily="34" charset="0"/>
-                    <a:cs typeface="Arial" panose="020B0604020202020204" pitchFamily="34" charset="0"/>
-                  </a:rPr>
-                  <a:t>Transformer</a:t>
-                </a:r>
-              </a:p>
-              <a:p>
-                <a:pPr algn="ctr"/>
-                <a:r>
-                  <a:rPr lang="en-GB" sz="3000" dirty="0">
-                    <a:latin typeface="Arial" panose="020B0604020202020204" pitchFamily="34" charset="0"/>
-                    <a:cs typeface="Arial" panose="020B0604020202020204" pitchFamily="34" charset="0"/>
-                  </a:rPr>
-                  <a:t>Encoder</a:t>
-                </a:r>
-              </a:p>
-            </p:txBody>
-          </p:sp>
-          <p:sp>
-            <p:nvSpPr>
-              <p:cNvPr id="82" name="TextBox 81"/>
-              <p:cNvSpPr txBox="1"/>
-              <p:nvPr/>
-            </p:nvSpPr>
-            <p:spPr>
-              <a:xfrm>
-                <a:off x="6718694" y="16698424"/>
-                <a:ext cx="2704587" cy="1015663"/>
-              </a:xfrm>
-              <a:prstGeom prst="rect">
-                <a:avLst/>
-              </a:prstGeom>
-              <a:noFill/>
-            </p:spPr>
-            <p:txBody>
-              <a:bodyPr wrap="none" rtlCol="0">
-                <a:spAutoFit/>
-              </a:bodyPr>
-              <a:lstStyle/>
-              <a:p>
-                <a:pPr algn="ctr"/>
-                <a:r>
-                  <a:rPr lang="en-GB" sz="3000" dirty="0">
-                    <a:latin typeface="Arial" panose="020B0604020202020204" pitchFamily="34" charset="0"/>
-                    <a:cs typeface="Arial" panose="020B0604020202020204" pitchFamily="34" charset="0"/>
-                  </a:rPr>
-                  <a:t>Instantaneous </a:t>
-                </a:r>
-              </a:p>
-              <a:p>
-                <a:pPr algn="ctr"/>
-                <a:r>
-                  <a:rPr lang="en-GB" sz="3000" dirty="0">
-                    <a:latin typeface="Arial" panose="020B0604020202020204" pitchFamily="34" charset="0"/>
-                    <a:cs typeface="Arial" panose="020B0604020202020204" pitchFamily="34" charset="0"/>
-                  </a:rPr>
-                  <a:t>spiking rates</a:t>
-                </a:r>
-              </a:p>
-            </p:txBody>
-          </p:sp>
-        </p:grpSp>
-      </p:grpSp>
       <p:pic>
         <p:nvPicPr>
           <p:cNvPr id="6" name="Picture 5" descr="A graph of different colored bars&#10;&#10;Description automatically generated">
@@ -6205,7 +6044,7 @@
           <p:nvPr/>
         </p:nvPicPr>
         <p:blipFill>
-          <a:blip r:embed="rId10">
+          <a:blip r:embed="rId9" cstate="hqprint">
             <a:extLst>
               <a:ext uri="{28A0092B-C50C-407E-A947-70E740481C1C}">
                 <a14:useLocalDpi xmlns:a14="http://schemas.microsoft.com/office/drawing/2010/main" val="0"/>
@@ -6218,7 +6057,7 @@
         </p:blipFill>
         <p:spPr>
           <a:xfrm>
-            <a:off x="3708716" y="28219044"/>
+            <a:off x="5742882" y="28981235"/>
             <a:ext cx="8692044" cy="4363809"/>
           </a:xfrm>
           <a:prstGeom prst="rect">
@@ -6241,7 +6080,7 @@
           <p:nvPr/>
         </p:nvPicPr>
         <p:blipFill rotWithShape="1">
-          <a:blip r:embed="rId11">
+          <a:blip r:embed="rId10">
             <a:extLst>
               <a:ext uri="{28A0092B-C50C-407E-A947-70E740481C1C}">
                 <a14:useLocalDpi xmlns:a14="http://schemas.microsoft.com/office/drawing/2010/main" val="0"/>
@@ -6255,6 +6094,183 @@
           <a:xfrm>
             <a:off x="16017241" y="7239787"/>
             <a:ext cx="8752553" cy="5297204"/>
+          </a:xfrm>
+          <a:prstGeom prst="rect">
+            <a:avLst/>
+          </a:prstGeom>
+        </p:spPr>
+      </p:pic>
+      <p:pic>
+        <p:nvPicPr>
+          <p:cNvPr id="10" name="Picture 9"/>
+          <p:cNvPicPr>
+            <a:picLocks noChangeAspect="1"/>
+          </p:cNvPicPr>
+          <p:nvPr/>
+        </p:nvPicPr>
+        <p:blipFill>
+          <a:blip r:embed="rId11" cstate="hqprint">
+            <a:extLst>
+              <a:ext uri="{28A0092B-C50C-407E-A947-70E740481C1C}">
+                <a14:useLocalDpi xmlns:a14="http://schemas.microsoft.com/office/drawing/2010/main" val="0"/>
+              </a:ext>
+            </a:extLst>
+          </a:blip>
+          <a:stretch>
+            <a:fillRect/>
+          </a:stretch>
+        </p:blipFill>
+        <p:spPr>
+          <a:xfrm>
+            <a:off x="18064286" y="22167883"/>
+            <a:ext cx="9232511" cy="4838316"/>
+          </a:xfrm>
+          <a:prstGeom prst="rect">
+            <a:avLst/>
+          </a:prstGeom>
+        </p:spPr>
+      </p:pic>
+      <p:pic>
+        <p:nvPicPr>
+          <p:cNvPr id="13" name="Picture 12"/>
+          <p:cNvPicPr>
+            <a:picLocks noChangeAspect="1"/>
+          </p:cNvPicPr>
+          <p:nvPr/>
+        </p:nvPicPr>
+        <p:blipFill>
+          <a:blip r:embed="rId12"/>
+          <a:stretch>
+            <a:fillRect/>
+          </a:stretch>
+        </p:blipFill>
+        <p:spPr>
+          <a:xfrm>
+            <a:off x="10657497" y="19837515"/>
+            <a:ext cx="3819525" cy="7905750"/>
+          </a:xfrm>
+          <a:prstGeom prst="rect">
+            <a:avLst/>
+          </a:prstGeom>
+        </p:spPr>
+      </p:pic>
+      <p:sp>
+        <p:nvSpPr>
+          <p:cNvPr id="42" name="Rectangle 41"/>
+          <p:cNvSpPr/>
+          <p:nvPr/>
+        </p:nvSpPr>
+        <p:spPr>
+          <a:xfrm>
+            <a:off x="13266424" y="13057677"/>
+            <a:ext cx="2657378" cy="1938992"/>
+          </a:xfrm>
+          <a:prstGeom prst="rect">
+            <a:avLst/>
+          </a:prstGeom>
+        </p:spPr>
+        <p:txBody>
+          <a:bodyPr wrap="square">
+            <a:spAutoFit/>
+          </a:bodyPr>
+          <a:lstStyle/>
+          <a:p>
+            <a:pPr algn="ctr"/>
+            <a:r>
+              <a:rPr lang="en-GB" altLang="en-US" dirty="0" smtClean="0">
+                <a:solidFill>
+                  <a:schemeClr val="bg2">
+                    <a:lumMod val="75000"/>
+                  </a:schemeClr>
+                </a:solidFill>
+                <a:latin typeface="Arial" panose="020B0604020202020204" pitchFamily="34" charset="0"/>
+              </a:rPr>
+              <a:t>HPC 7</a:t>
+            </a:r>
+          </a:p>
+          <a:p>
+            <a:pPr algn="ctr"/>
+            <a:endParaRPr lang="en-GB" altLang="en-US" dirty="0" smtClean="0">
+              <a:solidFill>
+                <a:schemeClr val="bg2">
+                  <a:lumMod val="75000"/>
+                </a:schemeClr>
+              </a:solidFill>
+              <a:latin typeface="Arial" panose="020B0604020202020204" pitchFamily="34" charset="0"/>
+            </a:endParaRPr>
+          </a:p>
+          <a:p>
+            <a:pPr algn="ctr"/>
+            <a:r>
+              <a:rPr lang="en-GB" dirty="0" smtClean="0">
+                <a:solidFill>
+                  <a:schemeClr val="bg2">
+                    <a:lumMod val="75000"/>
+                  </a:schemeClr>
+                </a:solidFill>
+                <a:latin typeface="Arial" panose="020B0604020202020204" pitchFamily="34" charset="0"/>
+              </a:rPr>
+              <a:t>HPC 126</a:t>
+            </a:r>
+          </a:p>
+          <a:p>
+            <a:pPr algn="ctr"/>
+            <a:endParaRPr lang="en-GB" dirty="0" smtClean="0">
+              <a:solidFill>
+                <a:schemeClr val="bg2">
+                  <a:lumMod val="75000"/>
+                </a:schemeClr>
+              </a:solidFill>
+              <a:latin typeface="Arial" panose="020B0604020202020204" pitchFamily="34" charset="0"/>
+            </a:endParaRPr>
+          </a:p>
+          <a:p>
+            <a:pPr algn="ctr"/>
+            <a:r>
+              <a:rPr lang="en-GB" dirty="0" smtClean="0">
+                <a:solidFill>
+                  <a:schemeClr val="bg2">
+                    <a:lumMod val="75000"/>
+                  </a:schemeClr>
+                </a:solidFill>
+                <a:latin typeface="Arial" panose="020B0604020202020204" pitchFamily="34" charset="0"/>
+              </a:rPr>
+              <a:t>HPC 268</a:t>
+            </a:r>
+            <a:endParaRPr lang="en-GB" dirty="0">
+              <a:solidFill>
+                <a:schemeClr val="bg2">
+                  <a:lumMod val="75000"/>
+                </a:schemeClr>
+              </a:solidFill>
+            </a:endParaRPr>
+          </a:p>
+        </p:txBody>
+      </p:sp>
+      <p:pic>
+        <p:nvPicPr>
+          <p:cNvPr id="19" name="Picture 18"/>
+          <p:cNvPicPr>
+            <a:picLocks noChangeAspect="1"/>
+          </p:cNvPicPr>
+          <p:nvPr/>
+        </p:nvPicPr>
+        <p:blipFill>
+          <a:blip r:embed="rId13" cstate="hqprint">
+            <a:extLst>
+              <a:ext uri="{28A0092B-C50C-407E-A947-70E740481C1C}">
+                <a14:useLocalDpi xmlns:a14="http://schemas.microsoft.com/office/drawing/2010/main" val="0"/>
+              </a:ext>
+            </a:extLst>
+          </a:blip>
+          <a:stretch>
+            <a:fillRect/>
+          </a:stretch>
+        </p:blipFill>
+        <p:spPr>
+          <a:xfrm>
+            <a:off x="4558229" y="12776313"/>
+            <a:ext cx="9332593" cy="2922408"/>
           </a:xfrm>
           <a:prstGeom prst="rect">
             <a:avLst/>

--- a/Poster Template Updated 2022.pptx
+++ b/Poster Template Updated 2022.pptx
@@ -4,6 +4,9 @@
   <p:sldMasterIdLst>
     <p:sldMasterId id="2147483648" r:id="rId1"/>
   </p:sldMasterIdLst>
+  <p:notesMasterIdLst>
+    <p:notesMasterId r:id="rId3"/>
+  </p:notesMasterIdLst>
   <p:sldIdLst>
     <p:sldId id="256" r:id="rId2"/>
   </p:sldIdLst>
@@ -151,6 +154,440 @@
     </p:ext>
   </p:extLst>
 </p:presentation>
+</file>
+
+<file path=ppt/notesMasters/notesMaster1.xml><?xml version="1.0" encoding="utf-8"?>
+<p:notesMaster xmlns:a="http://schemas.openxmlformats.org/drawingml/2006/main" xmlns:r="http://schemas.openxmlformats.org/officeDocument/2006/relationships" xmlns:p="http://schemas.openxmlformats.org/presentationml/2006/main">
+  <p:cSld>
+    <p:bg>
+      <p:bgRef idx="1001">
+        <a:schemeClr val="bg1"/>
+      </p:bgRef>
+    </p:bg>
+    <p:spTree>
+      <p:nvGrpSpPr>
+        <p:cNvPr id="1" name=""/>
+        <p:cNvGrpSpPr/>
+        <p:nvPr/>
+      </p:nvGrpSpPr>
+      <p:grpSpPr>
+        <a:xfrm>
+          <a:off x="0" y="0"/>
+          <a:ext cx="0" cy="0"/>
+          <a:chOff x="0" y="0"/>
+          <a:chExt cx="0" cy="0"/>
+        </a:xfrm>
+      </p:grpSpPr>
+      <p:sp>
+        <p:nvSpPr>
+          <p:cNvPr id="2" name="Header Placeholder 1"/>
+          <p:cNvSpPr>
+            <a:spLocks noGrp="1"/>
+          </p:cNvSpPr>
+          <p:nvPr>
+            <p:ph type="hdr" sz="quarter"/>
+          </p:nvPr>
+        </p:nvSpPr>
+        <p:spPr>
+          <a:xfrm>
+            <a:off x="0" y="0"/>
+            <a:ext cx="2951163" cy="498475"/>
+          </a:xfrm>
+          <a:prstGeom prst="rect">
+            <a:avLst/>
+          </a:prstGeom>
+        </p:spPr>
+        <p:txBody>
+          <a:bodyPr vert="horz" lIns="91440" tIns="45720" rIns="91440" bIns="45720" rtlCol="0"/>
+          <a:lstStyle>
+            <a:lvl1pPr algn="l">
+              <a:defRPr sz="1200"/>
+            </a:lvl1pPr>
+          </a:lstStyle>
+          <a:p>
+            <a:endParaRPr lang="en-US"/>
+          </a:p>
+        </p:txBody>
+      </p:sp>
+      <p:sp>
+        <p:nvSpPr>
+          <p:cNvPr id="3" name="Date Placeholder 2"/>
+          <p:cNvSpPr>
+            <a:spLocks noGrp="1"/>
+          </p:cNvSpPr>
+          <p:nvPr>
+            <p:ph type="dt" idx="1"/>
+          </p:nvPr>
+        </p:nvSpPr>
+        <p:spPr>
+          <a:xfrm>
+            <a:off x="3859213" y="0"/>
+            <a:ext cx="2951162" cy="498475"/>
+          </a:xfrm>
+          <a:prstGeom prst="rect">
+            <a:avLst/>
+          </a:prstGeom>
+        </p:spPr>
+        <p:txBody>
+          <a:bodyPr vert="horz" lIns="91440" tIns="45720" rIns="91440" bIns="45720" rtlCol="0"/>
+          <a:lstStyle>
+            <a:lvl1pPr algn="r">
+              <a:defRPr sz="1200"/>
+            </a:lvl1pPr>
+          </a:lstStyle>
+          <a:p>
+            <a:fld id="{F0ED68F8-47EA-694E-A90F-039C71514126}" type="datetimeFigureOut">
+              <a:rPr lang="en-US" smtClean="0"/>
+              <a:t>11/18/23</a:t>
+            </a:fld>
+            <a:endParaRPr lang="en-US"/>
+          </a:p>
+        </p:txBody>
+      </p:sp>
+      <p:sp>
+        <p:nvSpPr>
+          <p:cNvPr id="4" name="Slide Image Placeholder 3"/>
+          <p:cNvSpPr>
+            <a:spLocks noGrp="1" noRot="1" noChangeAspect="1"/>
+          </p:cNvSpPr>
+          <p:nvPr>
+            <p:ph type="sldImg" idx="2"/>
+          </p:nvPr>
+        </p:nvSpPr>
+        <p:spPr>
+          <a:xfrm>
+            <a:off x="2219325" y="1243013"/>
+            <a:ext cx="2373313" cy="3355975"/>
+          </a:xfrm>
+          <a:prstGeom prst="rect">
+            <a:avLst/>
+          </a:prstGeom>
+          <a:noFill/>
+          <a:ln w="12700">
+            <a:solidFill>
+              <a:prstClr val="black"/>
+            </a:solidFill>
+          </a:ln>
+        </p:spPr>
+        <p:txBody>
+          <a:bodyPr vert="horz" lIns="91440" tIns="45720" rIns="91440" bIns="45720" rtlCol="0" anchor="ctr"/>
+          <a:lstStyle/>
+          <a:p>
+            <a:endParaRPr lang="en-US"/>
+          </a:p>
+        </p:txBody>
+      </p:sp>
+      <p:sp>
+        <p:nvSpPr>
+          <p:cNvPr id="5" name="Notes Placeholder 4"/>
+          <p:cNvSpPr>
+            <a:spLocks noGrp="1"/>
+          </p:cNvSpPr>
+          <p:nvPr>
+            <p:ph type="body" sz="quarter" idx="3"/>
+          </p:nvPr>
+        </p:nvSpPr>
+        <p:spPr>
+          <a:xfrm>
+            <a:off x="681038" y="4784725"/>
+            <a:ext cx="5449887" cy="3914775"/>
+          </a:xfrm>
+          <a:prstGeom prst="rect">
+            <a:avLst/>
+          </a:prstGeom>
+        </p:spPr>
+        <p:txBody>
+          <a:bodyPr vert="horz" lIns="91440" tIns="45720" rIns="91440" bIns="45720" rtlCol="0"/>
+          <a:lstStyle/>
+          <a:p>
+            <a:pPr lvl="0"/>
+            <a:r>
+              <a:rPr lang="en-GB"/>
+              <a:t>Click to edit Master text styles</a:t>
+            </a:r>
+          </a:p>
+          <a:p>
+            <a:pPr lvl="1"/>
+            <a:r>
+              <a:rPr lang="en-GB"/>
+              <a:t>Second level</a:t>
+            </a:r>
+          </a:p>
+          <a:p>
+            <a:pPr lvl="2"/>
+            <a:r>
+              <a:rPr lang="en-GB"/>
+              <a:t>Third level</a:t>
+            </a:r>
+          </a:p>
+          <a:p>
+            <a:pPr lvl="3"/>
+            <a:r>
+              <a:rPr lang="en-GB"/>
+              <a:t>Fourth level</a:t>
+            </a:r>
+          </a:p>
+          <a:p>
+            <a:pPr lvl="4"/>
+            <a:r>
+              <a:rPr lang="en-GB"/>
+              <a:t>Fifth level</a:t>
+            </a:r>
+            <a:endParaRPr lang="en-US"/>
+          </a:p>
+        </p:txBody>
+      </p:sp>
+      <p:sp>
+        <p:nvSpPr>
+          <p:cNvPr id="6" name="Footer Placeholder 5"/>
+          <p:cNvSpPr>
+            <a:spLocks noGrp="1"/>
+          </p:cNvSpPr>
+          <p:nvPr>
+            <p:ph type="ftr" sz="quarter" idx="4"/>
+          </p:nvPr>
+        </p:nvSpPr>
+        <p:spPr>
+          <a:xfrm>
+            <a:off x="0" y="9444038"/>
+            <a:ext cx="2951163" cy="498475"/>
+          </a:xfrm>
+          <a:prstGeom prst="rect">
+            <a:avLst/>
+          </a:prstGeom>
+        </p:spPr>
+        <p:txBody>
+          <a:bodyPr vert="horz" lIns="91440" tIns="45720" rIns="91440" bIns="45720" rtlCol="0" anchor="b"/>
+          <a:lstStyle>
+            <a:lvl1pPr algn="l">
+              <a:defRPr sz="1200"/>
+            </a:lvl1pPr>
+          </a:lstStyle>
+          <a:p>
+            <a:endParaRPr lang="en-US"/>
+          </a:p>
+        </p:txBody>
+      </p:sp>
+      <p:sp>
+        <p:nvSpPr>
+          <p:cNvPr id="7" name="Slide Number Placeholder 6"/>
+          <p:cNvSpPr>
+            <a:spLocks noGrp="1"/>
+          </p:cNvSpPr>
+          <p:nvPr>
+            <p:ph type="sldNum" sz="quarter" idx="5"/>
+          </p:nvPr>
+        </p:nvSpPr>
+        <p:spPr>
+          <a:xfrm>
+            <a:off x="3859213" y="9444038"/>
+            <a:ext cx="2951162" cy="498475"/>
+          </a:xfrm>
+          <a:prstGeom prst="rect">
+            <a:avLst/>
+          </a:prstGeom>
+        </p:spPr>
+        <p:txBody>
+          <a:bodyPr vert="horz" lIns="91440" tIns="45720" rIns="91440" bIns="45720" rtlCol="0" anchor="b"/>
+          <a:lstStyle>
+            <a:lvl1pPr algn="r">
+              <a:defRPr sz="1200"/>
+            </a:lvl1pPr>
+          </a:lstStyle>
+          <a:p>
+            <a:fld id="{A891B5ED-4E69-4B4B-A299-CC27C4757148}" type="slidenum">
+              <a:rPr lang="en-US" smtClean="0"/>
+              <a:t>‹#›</a:t>
+            </a:fld>
+            <a:endParaRPr lang="en-US"/>
+          </a:p>
+        </p:txBody>
+      </p:sp>
+    </p:spTree>
+    <p:extLst>
+      <p:ext uri="{BB962C8B-B14F-4D97-AF65-F5344CB8AC3E}">
+        <p14:creationId xmlns:p14="http://schemas.microsoft.com/office/powerpoint/2010/main" val="3526956123"/>
+      </p:ext>
+    </p:extLst>
+  </p:cSld>
+  <p:clrMap bg1="lt1" tx1="dk1" bg2="lt2" tx2="dk2" accent1="accent1" accent2="accent2" accent3="accent3" accent4="accent4" accent5="accent5" accent6="accent6" hlink="hlink" folHlink="folHlink"/>
+  <p:notesStyle>
+    <a:lvl1pPr marL="0" algn="l" defTabSz="914400" rtl="0" eaLnBrk="1" latinLnBrk="0" hangingPunct="1">
+      <a:defRPr sz="1200" kern="1200">
+        <a:solidFill>
+          <a:schemeClr val="tx1"/>
+        </a:solidFill>
+        <a:latin typeface="+mn-lt"/>
+        <a:ea typeface="+mn-ea"/>
+        <a:cs typeface="+mn-cs"/>
+      </a:defRPr>
+    </a:lvl1pPr>
+    <a:lvl2pPr marL="457200" algn="l" defTabSz="914400" rtl="0" eaLnBrk="1" latinLnBrk="0" hangingPunct="1">
+      <a:defRPr sz="1200" kern="1200">
+        <a:solidFill>
+          <a:schemeClr val="tx1"/>
+        </a:solidFill>
+        <a:latin typeface="+mn-lt"/>
+        <a:ea typeface="+mn-ea"/>
+        <a:cs typeface="+mn-cs"/>
+      </a:defRPr>
+    </a:lvl2pPr>
+    <a:lvl3pPr marL="914400" algn="l" defTabSz="914400" rtl="0" eaLnBrk="1" latinLnBrk="0" hangingPunct="1">
+      <a:defRPr sz="1200" kern="1200">
+        <a:solidFill>
+          <a:schemeClr val="tx1"/>
+        </a:solidFill>
+        <a:latin typeface="+mn-lt"/>
+        <a:ea typeface="+mn-ea"/>
+        <a:cs typeface="+mn-cs"/>
+      </a:defRPr>
+    </a:lvl3pPr>
+    <a:lvl4pPr marL="1371600" algn="l" defTabSz="914400" rtl="0" eaLnBrk="1" latinLnBrk="0" hangingPunct="1">
+      <a:defRPr sz="1200" kern="1200">
+        <a:solidFill>
+          <a:schemeClr val="tx1"/>
+        </a:solidFill>
+        <a:latin typeface="+mn-lt"/>
+        <a:ea typeface="+mn-ea"/>
+        <a:cs typeface="+mn-cs"/>
+      </a:defRPr>
+    </a:lvl4pPr>
+    <a:lvl5pPr marL="1828800" algn="l" defTabSz="914400" rtl="0" eaLnBrk="1" latinLnBrk="0" hangingPunct="1">
+      <a:defRPr sz="1200" kern="1200">
+        <a:solidFill>
+          <a:schemeClr val="tx1"/>
+        </a:solidFill>
+        <a:latin typeface="+mn-lt"/>
+        <a:ea typeface="+mn-ea"/>
+        <a:cs typeface="+mn-cs"/>
+      </a:defRPr>
+    </a:lvl5pPr>
+    <a:lvl6pPr marL="2286000" algn="l" defTabSz="914400" rtl="0" eaLnBrk="1" latinLnBrk="0" hangingPunct="1">
+      <a:defRPr sz="1200" kern="1200">
+        <a:solidFill>
+          <a:schemeClr val="tx1"/>
+        </a:solidFill>
+        <a:latin typeface="+mn-lt"/>
+        <a:ea typeface="+mn-ea"/>
+        <a:cs typeface="+mn-cs"/>
+      </a:defRPr>
+    </a:lvl6pPr>
+    <a:lvl7pPr marL="2743200" algn="l" defTabSz="914400" rtl="0" eaLnBrk="1" latinLnBrk="0" hangingPunct="1">
+      <a:defRPr sz="1200" kern="1200">
+        <a:solidFill>
+          <a:schemeClr val="tx1"/>
+        </a:solidFill>
+        <a:latin typeface="+mn-lt"/>
+        <a:ea typeface="+mn-ea"/>
+        <a:cs typeface="+mn-cs"/>
+      </a:defRPr>
+    </a:lvl7pPr>
+    <a:lvl8pPr marL="3200400" algn="l" defTabSz="914400" rtl="0" eaLnBrk="1" latinLnBrk="0" hangingPunct="1">
+      <a:defRPr sz="1200" kern="1200">
+        <a:solidFill>
+          <a:schemeClr val="tx1"/>
+        </a:solidFill>
+        <a:latin typeface="+mn-lt"/>
+        <a:ea typeface="+mn-ea"/>
+        <a:cs typeface="+mn-cs"/>
+      </a:defRPr>
+    </a:lvl8pPr>
+    <a:lvl9pPr marL="3657600" algn="l" defTabSz="914400" rtl="0" eaLnBrk="1" latinLnBrk="0" hangingPunct="1">
+      <a:defRPr sz="1200" kern="1200">
+        <a:solidFill>
+          <a:schemeClr val="tx1"/>
+        </a:solidFill>
+        <a:latin typeface="+mn-lt"/>
+        <a:ea typeface="+mn-ea"/>
+        <a:cs typeface="+mn-cs"/>
+      </a:defRPr>
+    </a:lvl9pPr>
+  </p:notesStyle>
+</p:notesMaster>
+</file>
+
+<file path=ppt/notesSlides/notesSlide1.xml><?xml version="1.0" encoding="utf-8"?>
+<p:notes xmlns:a="http://schemas.openxmlformats.org/drawingml/2006/main" xmlns:r="http://schemas.openxmlformats.org/officeDocument/2006/relationships" xmlns:p="http://schemas.openxmlformats.org/presentationml/2006/main">
+  <p:cSld>
+    <p:spTree>
+      <p:nvGrpSpPr>
+        <p:cNvPr id="1" name=""/>
+        <p:cNvGrpSpPr/>
+        <p:nvPr/>
+      </p:nvGrpSpPr>
+      <p:grpSpPr>
+        <a:xfrm>
+          <a:off x="0" y="0"/>
+          <a:ext cx="0" cy="0"/>
+          <a:chOff x="0" y="0"/>
+          <a:chExt cx="0" cy="0"/>
+        </a:xfrm>
+      </p:grpSpPr>
+      <p:sp>
+        <p:nvSpPr>
+          <p:cNvPr id="2" name="Slide Image Placeholder 1"/>
+          <p:cNvSpPr>
+            <a:spLocks noGrp="1" noRot="1" noChangeAspect="1"/>
+          </p:cNvSpPr>
+          <p:nvPr>
+            <p:ph type="sldImg"/>
+          </p:nvPr>
+        </p:nvSpPr>
+        <p:spPr/>
+      </p:sp>
+      <p:sp>
+        <p:nvSpPr>
+          <p:cNvPr id="3" name="Notes Placeholder 2"/>
+          <p:cNvSpPr>
+            <a:spLocks noGrp="1"/>
+          </p:cNvSpPr>
+          <p:nvPr>
+            <p:ph type="body" idx="1"/>
+          </p:nvPr>
+        </p:nvSpPr>
+        <p:spPr/>
+        <p:txBody>
+          <a:bodyPr/>
+          <a:lstStyle/>
+          <a:p>
+            <a:endParaRPr lang="en-US" dirty="0"/>
+          </a:p>
+        </p:txBody>
+      </p:sp>
+      <p:sp>
+        <p:nvSpPr>
+          <p:cNvPr id="4" name="Slide Number Placeholder 3"/>
+          <p:cNvSpPr>
+            <a:spLocks noGrp="1"/>
+          </p:cNvSpPr>
+          <p:nvPr>
+            <p:ph type="sldNum" sz="quarter" idx="5"/>
+          </p:nvPr>
+        </p:nvSpPr>
+        <p:spPr/>
+        <p:txBody>
+          <a:bodyPr/>
+          <a:lstStyle/>
+          <a:p>
+            <a:fld id="{A891B5ED-4E69-4B4B-A299-CC27C4757148}" type="slidenum">
+              <a:rPr lang="en-US" smtClean="0"/>
+              <a:t>1</a:t>
+            </a:fld>
+            <a:endParaRPr lang="en-US"/>
+          </a:p>
+        </p:txBody>
+      </p:sp>
+    </p:spTree>
+    <p:extLst>
+      <p:ext uri="{BB962C8B-B14F-4D97-AF65-F5344CB8AC3E}">
+        <p14:creationId xmlns:p14="http://schemas.microsoft.com/office/powerpoint/2010/main" val="45919160"/>
+      </p:ext>
+    </p:extLst>
+  </p:cSld>
+  <p:clrMapOvr>
+    <a:masterClrMapping/>
+  </p:clrMapOvr>
+</p:notes>
 </file>
 
 <file path=ppt/slideLayouts/slideLayout1.xml><?xml version="1.0" encoding="utf-8"?>
@@ -3721,7 +4158,7 @@
           <p:nvPr/>
         </p:nvPicPr>
         <p:blipFill>
-          <a:blip r:embed="rId2">
+          <a:blip r:embed="rId3">
             <a:lum bright="65000" contrast="-100000"/>
             <a:extLst>
               <a:ext uri="{28A0092B-C50C-407E-A947-70E740481C1C}">
@@ -3953,8 +4390,8 @@
         </p:nvSpPr>
         <p:spPr bwMode="auto">
           <a:xfrm>
-            <a:off x="745567" y="3929198"/>
-            <a:ext cx="29124833" cy="1708160"/>
+            <a:off x="745568" y="3929198"/>
+            <a:ext cx="28890292" cy="2631490"/>
           </a:xfrm>
           <a:prstGeom prst="rect">
             <a:avLst/>
@@ -4101,6 +4538,15 @@
               </a:spcBef>
             </a:pPr>
             <a:r>
+              <a:rPr lang="en-GB" altLang="en-US" sz="3000" b="1" dirty="0">
+                <a:solidFill>
+                  <a:srgbClr val="FF7F00"/>
+                </a:solidFill>
+                <a:latin typeface="Arial" panose="020B0604020202020204" pitchFamily="34" charset="0"/>
+              </a:rPr>
+              <a:t>Introduction. </a:t>
+            </a:r>
+            <a:r>
               <a:rPr lang="en-GB" altLang="en-US" sz="3000" dirty="0">
                 <a:latin typeface="Arial" panose="020B0604020202020204" pitchFamily="34" charset="0"/>
               </a:rPr>
@@ -4113,8 +4559,20 @@
                 </a:solidFill>
                 <a:latin typeface="Arial" panose="020B0604020202020204" pitchFamily="34" charset="0"/>
               </a:rPr>
-              <a:t>One approach is to use observed data to distil the neural function into artificial neural networks.</a:t>
-            </a:r>
+              <a:t>One approach is to use observed data to distil the neural function into artificial neural networks. </a:t>
+            </a:r>
+            <a:r>
+              <a:rPr lang="en-GB" altLang="en-US" sz="3000" dirty="0">
+                <a:latin typeface="Arial" panose="020B0604020202020204" pitchFamily="34" charset="0"/>
+              </a:rPr>
+              <a:t>This requires access to neural data from the input and output neurons of a neural circuit.</a:t>
+            </a:r>
+            <a:endParaRPr lang="en-GB" altLang="en-US" sz="3000" dirty="0">
+              <a:solidFill>
+                <a:srgbClr val="FF7F00"/>
+              </a:solidFill>
+              <a:latin typeface="Arial" panose="020B0604020202020204" pitchFamily="34" charset="0"/>
+            </a:endParaRPr>
           </a:p>
           <a:p>
             <a:pPr algn="just">
@@ -4126,19 +4584,22 @@
               <a:rPr lang="en-GB" altLang="en-US" sz="3000" dirty="0">
                 <a:latin typeface="Arial" panose="020B0604020202020204" pitchFamily="34" charset="0"/>
               </a:rPr>
-              <a:t>We simultaneously performed all-optical and </a:t>
-            </a:r>
-            <a:r>
-              <a:rPr lang="en-GB" altLang="en-US" sz="3000" dirty="0" err="1">
-                <a:latin typeface="Arial" panose="020B0604020202020204" pitchFamily="34" charset="0"/>
-              </a:rPr>
-              <a:t>Neuropixel</a:t>
+              <a:t>We performed simultaneous neural recording from the CA1	area of the hippocampus as well as the lateral septum (LS) and cortical areas (CTX). We then trained sets of transformer neural network models on the </a:t>
             </a:r>
             <a:r>
               <a:rPr lang="en-GB" altLang="en-US" sz="3000" dirty="0">
-                <a:latin typeface="Arial" panose="020B0604020202020204" pitchFamily="34" charset="0"/>
-              </a:rPr>
-              <a:t> recordings in two brain areas… We then trained Transformer neural networks on the data pairs.</a:t>
+                <a:solidFill>
+                  <a:srgbClr val="FF7F00"/>
+                </a:solidFill>
+                <a:latin typeface="Arial" panose="020B0604020202020204" pitchFamily="34" charset="0"/>
+              </a:rPr>
+              <a:t>CA1 – LS circuit</a:t>
+            </a:r>
+            <a:r>
+              <a:rPr lang="en-GB" altLang="en-US" sz="3000" dirty="0">
+                <a:latin typeface="Arial" panose="020B0604020202020204" pitchFamily="34" charset="0"/>
+              </a:rPr>
+              <a:t>. The trained models demonstrated competitive accuracy and efficiency compared to baseline GLMs, and are able to generalise when random stimuli are injected optically into the input neurons.</a:t>
             </a:r>
           </a:p>
         </p:txBody>
@@ -4943,7 +5404,7 @@
         <p:spPr bwMode="auto">
           <a:xfrm>
             <a:off x="639354" y="3737986"/>
-            <a:ext cx="29231046" cy="2299491"/>
+            <a:ext cx="29231046" cy="2864498"/>
           </a:xfrm>
           <a:prstGeom prst="roundRect">
             <a:avLst>
@@ -4991,8 +5452,8 @@
         </p:nvSpPr>
         <p:spPr bwMode="auto">
           <a:xfrm>
-            <a:off x="641426" y="6349669"/>
-            <a:ext cx="14848032" cy="12772651"/>
+            <a:off x="641426" y="6898388"/>
+            <a:ext cx="14848032" cy="12223932"/>
           </a:xfrm>
           <a:prstGeom prst="roundRect">
             <a:avLst>
@@ -5040,8 +5501,8 @@
         </p:nvSpPr>
         <p:spPr bwMode="auto">
           <a:xfrm>
-            <a:off x="15807506" y="6397554"/>
-            <a:ext cx="14015485" cy="21345711"/>
+            <a:off x="15807506" y="6898388"/>
+            <a:ext cx="14015485" cy="20844877"/>
           </a:xfrm>
           <a:prstGeom prst="roundRect">
             <a:avLst>
@@ -5265,7 +5726,7 @@
           <p:nvPr/>
         </p:nvPicPr>
         <p:blipFill>
-          <a:blip r:embed="rId3"/>
+          <a:blip r:embed="rId4"/>
           <a:stretch>
             <a:fillRect/>
           </a:stretch>
@@ -5295,7 +5756,7 @@
           <p:nvPr/>
         </p:nvPicPr>
         <p:blipFill>
-          <a:blip r:embed="rId4" cstate="hqprint">
+          <a:blip r:embed="rId5" cstate="hqprint">
             <a:extLst>
               <a:ext uri="{28A0092B-C50C-407E-A947-70E740481C1C}">
                 <a14:useLocalDpi xmlns:a14="http://schemas.microsoft.com/office/drawing/2010/main" val="0"/>
@@ -5331,7 +5792,7 @@
           <p:nvPr/>
         </p:nvPicPr>
         <p:blipFill>
-          <a:blip r:embed="rId5"/>
+          <a:blip r:embed="rId6"/>
           <a:stretch>
             <a:fillRect/>
           </a:stretch>
@@ -5361,7 +5822,7 @@
           <p:nvPr/>
         </p:nvPicPr>
         <p:blipFill rotWithShape="1">
-          <a:blip r:embed="rId6"/>
+          <a:blip r:embed="rId7"/>
           <a:srcRect t="15274" b="27034"/>
           <a:stretch/>
         </p:blipFill>
@@ -5433,7 +5894,7 @@
           <p:nvPr/>
         </p:nvPicPr>
         <p:blipFill rotWithShape="1">
-          <a:blip r:embed="rId7">
+          <a:blip r:embed="rId8">
             <a:extLst>
               <a:ext uri="{28A0092B-C50C-407E-A947-70E740481C1C}">
                 <a14:useLocalDpi xmlns:a14="http://schemas.microsoft.com/office/drawing/2010/main" val="0"/>
@@ -5445,8 +5906,8 @@
         </p:blipFill>
         <p:spPr>
           <a:xfrm>
-            <a:off x="9491993" y="6529741"/>
-            <a:ext cx="5762884" cy="6046711"/>
+            <a:off x="9491993" y="7096999"/>
+            <a:ext cx="5762884" cy="5625320"/>
           </a:xfrm>
           <a:prstGeom prst="rect">
             <a:avLst/>
@@ -5469,7 +5930,7 @@
         </p:nvSpPr>
         <p:spPr bwMode="auto">
           <a:xfrm>
-            <a:off x="842145" y="6564542"/>
+            <a:off x="842145" y="7234228"/>
             <a:ext cx="8971515" cy="553998"/>
           </a:xfrm>
           <a:prstGeom prst="rect">
@@ -5700,7 +6161,7 @@
             <p:nvPr/>
           </p:nvPicPr>
           <p:blipFill rotWithShape="1">
-            <a:blip r:embed="rId7">
+            <a:blip r:embed="rId8">
               <a:extLst>
                 <a:ext uri="{28A0092B-C50C-407E-A947-70E740481C1C}">
                   <a14:useLocalDpi xmlns:a14="http://schemas.microsoft.com/office/drawing/2010/main" val="0"/>
@@ -5765,7 +6226,7 @@
           <p:nvPr/>
         </p:nvPicPr>
         <p:blipFill rotWithShape="1">
-          <a:blip r:embed="rId7">
+          <a:blip r:embed="rId8">
             <a:extLst>
               <a:ext uri="{28A0092B-C50C-407E-A947-70E740481C1C}">
                 <a14:useLocalDpi xmlns:a14="http://schemas.microsoft.com/office/drawing/2010/main" val="0"/>
@@ -5808,7 +6269,7 @@
           <a:p>
             <a:pPr algn="ctr"/>
             <a:r>
-              <a:rPr lang="en-GB" altLang="en-US" dirty="0" smtClean="0">
+              <a:rPr lang="en-GB" altLang="en-US" dirty="0">
                 <a:solidFill>
                   <a:schemeClr val="bg2">
                     <a:lumMod val="75000"/>
@@ -5833,7 +6294,7 @@
           <a:p>
             <a:pPr algn="ctr"/>
             <a:r>
-              <a:rPr lang="en-GB" dirty="0" smtClean="0">
+              <a:rPr lang="en-GB" dirty="0">
                 <a:solidFill>
                   <a:schemeClr val="bg2">
                     <a:lumMod val="75000"/>
@@ -5858,7 +6319,7 @@
           <a:p>
             <a:pPr algn="ctr"/>
             <a:r>
-              <a:rPr lang="en-GB" dirty="0" smtClean="0">
+              <a:rPr lang="en-GB" dirty="0">
                 <a:solidFill>
                   <a:schemeClr val="bg2">
                     <a:lumMod val="75000"/>
@@ -5886,8 +6347,8 @@
         </p:nvSpPr>
         <p:spPr>
           <a:xfrm>
-            <a:off x="842145" y="8614050"/>
-            <a:ext cx="8649848" cy="1477328"/>
+            <a:off x="842145" y="8226395"/>
+            <a:ext cx="8649848" cy="3323987"/>
           </a:xfrm>
           <a:prstGeom prst="rect">
             <a:avLst/>
@@ -5903,21 +6364,32 @@
               <a:rPr lang="en-GB" altLang="en-US" sz="3000" dirty="0">
                 <a:latin typeface="Arial" panose="020B0604020202020204" pitchFamily="34" charset="0"/>
               </a:rPr>
-              <a:t>GCaMP signals in hippocampus CA1</a:t>
-            </a:r>
-          </a:p>
-          <a:p>
-            <a:r>
-              <a:rPr lang="en-GB" altLang="en-US" sz="3000" dirty="0">
-                <a:latin typeface="Arial" panose="020B0604020202020204" pitchFamily="34" charset="0"/>
-              </a:rPr>
-              <a:t>Multi-unit spiking activities in the lateral septum (LS) and neocortex, smoothened at 330 </a:t>
-            </a:r>
-            <a:r>
-              <a:rPr lang="en-GB" altLang="en-US" sz="3000" dirty="0" err="1">
-                <a:latin typeface="Arial" panose="020B0604020202020204" pitchFamily="34" charset="0"/>
-              </a:rPr>
-              <a:t>ms</a:t>
+              <a:t>We simultaneously recorded fluorescence signals in hippocampus CA1 as well as multi-unit spiking activities in the LS and CTX.</a:t>
+            </a:r>
+          </a:p>
+          <a:p>
+            <a:endParaRPr lang="en-GB" sz="3000" dirty="0">
+              <a:latin typeface="Arial" panose="020B0604020202020204" pitchFamily="34" charset="0"/>
+            </a:endParaRPr>
+          </a:p>
+          <a:p>
+            <a:r>
+              <a:rPr lang="en-GB" sz="3000" dirty="0">
+                <a:latin typeface="Arial" panose="020B0604020202020204" pitchFamily="34" charset="0"/>
+              </a:rPr>
+              <a:t>387 CA1 neurons were interrogated via GCaMP, 77 neurons were recorded via </a:t>
+            </a:r>
+            <a:r>
+              <a:rPr lang="en-GB" sz="3000" dirty="0" err="1">
+                <a:latin typeface="Arial" panose="020B0604020202020204" pitchFamily="34" charset="0"/>
+              </a:rPr>
+              <a:t>Neuropixel</a:t>
+            </a:r>
+            <a:r>
+              <a:rPr lang="en-GB" sz="3000" dirty="0">
+                <a:latin typeface="Arial" panose="020B0604020202020204" pitchFamily="34" charset="0"/>
+              </a:rPr>
+              <a:t> probes, of which 13 were identified from LS.</a:t>
             </a:r>
             <a:endParaRPr lang="en-GB" sz="3000" dirty="0"/>
           </a:p>
@@ -5932,7 +6404,7 @@
           <p:nvPr/>
         </p:nvPicPr>
         <p:blipFill>
-          <a:blip r:embed="rId8" cstate="print">
+          <a:blip r:embed="rId9" cstate="print">
             <a:extLst>
               <a:ext uri="{28A0092B-C50C-407E-A947-70E740481C1C}">
                 <a14:useLocalDpi xmlns:a14="http://schemas.microsoft.com/office/drawing/2010/main" val="0"/>
@@ -5961,7 +6433,7 @@
         </p:nvSpPr>
         <p:spPr>
           <a:xfrm>
-            <a:off x="745567" y="19711916"/>
+            <a:off x="842145" y="19711915"/>
             <a:ext cx="7814575" cy="553998"/>
           </a:xfrm>
           <a:prstGeom prst="rect">
@@ -5999,7 +6471,7 @@
         </p:nvSpPr>
         <p:spPr>
           <a:xfrm>
-            <a:off x="15881770" y="6562453"/>
+            <a:off x="15923802" y="7158132"/>
             <a:ext cx="3159839" cy="553998"/>
           </a:xfrm>
           <a:prstGeom prst="rect">
@@ -6044,7 +6516,7 @@
           <p:nvPr/>
         </p:nvPicPr>
         <p:blipFill>
-          <a:blip r:embed="rId9" cstate="hqprint">
+          <a:blip r:embed="rId10" cstate="hqprint">
             <a:extLst>
               <a:ext uri="{28A0092B-C50C-407E-A947-70E740481C1C}">
                 <a14:useLocalDpi xmlns:a14="http://schemas.microsoft.com/office/drawing/2010/main" val="0"/>
@@ -6057,8 +6529,8 @@
         </p:blipFill>
         <p:spPr>
           <a:xfrm>
-            <a:off x="5742882" y="28981235"/>
-            <a:ext cx="8692044" cy="4363809"/>
+            <a:off x="5960423" y="33466880"/>
+            <a:ext cx="9071207" cy="4554166"/>
           </a:xfrm>
           <a:prstGeom prst="rect">
             <a:avLst/>
@@ -6080,20 +6552,20 @@
           <p:nvPr/>
         </p:nvPicPr>
         <p:blipFill rotWithShape="1">
-          <a:blip r:embed="rId10">
+          <a:blip r:embed="rId11">
             <a:extLst>
               <a:ext uri="{28A0092B-C50C-407E-A947-70E740481C1C}">
                 <a14:useLocalDpi xmlns:a14="http://schemas.microsoft.com/office/drawing/2010/main" val="0"/>
               </a:ext>
             </a:extLst>
           </a:blip>
-          <a:srcRect l="44018" r="1"/>
+          <a:srcRect l="44018" t="6363" r="1830" b="2677"/>
           <a:stretch/>
         </p:blipFill>
         <p:spPr>
           <a:xfrm>
-            <a:off x="16017241" y="7239787"/>
-            <a:ext cx="8752553" cy="5297204"/>
+            <a:off x="19646727" y="7234228"/>
+            <a:ext cx="9904703" cy="5636871"/>
           </a:xfrm>
           <a:prstGeom prst="rect">
             <a:avLst/>
@@ -6109,7 +6581,7 @@
           <p:nvPr/>
         </p:nvPicPr>
         <p:blipFill>
-          <a:blip r:embed="rId11" cstate="hqprint">
+          <a:blip r:embed="rId12" cstate="hqprint">
             <a:extLst>
               <a:ext uri="{28A0092B-C50C-407E-A947-70E740481C1C}">
                 <a14:useLocalDpi xmlns:a14="http://schemas.microsoft.com/office/drawing/2010/main" val="0"/>
@@ -6122,32 +6594,8 @@
         </p:blipFill>
         <p:spPr>
           <a:xfrm>
-            <a:off x="18064286" y="22167883"/>
-            <a:ext cx="9232511" cy="4838316"/>
-          </a:xfrm>
-          <a:prstGeom prst="rect">
-            <a:avLst/>
-          </a:prstGeom>
-        </p:spPr>
-      </p:pic>
-      <p:pic>
-        <p:nvPicPr>
-          <p:cNvPr id="13" name="Picture 12"/>
-          <p:cNvPicPr>
-            <a:picLocks noChangeAspect="1"/>
-          </p:cNvPicPr>
-          <p:nvPr/>
-        </p:nvPicPr>
-        <p:blipFill>
-          <a:blip r:embed="rId12"/>
-          <a:stretch>
-            <a:fillRect/>
-          </a:stretch>
-        </p:blipFill>
-        <p:spPr>
-          <a:xfrm>
-            <a:off x="10657497" y="19837515"/>
-            <a:ext cx="3819525" cy="7905750"/>
+            <a:off x="16256780" y="20657713"/>
+            <a:ext cx="12624275" cy="6615777"/>
           </a:xfrm>
           <a:prstGeom prst="rect">
             <a:avLst/>
@@ -6177,7 +6625,7 @@
           <a:p>
             <a:pPr algn="ctr"/>
             <a:r>
-              <a:rPr lang="en-GB" altLang="en-US" dirty="0" smtClean="0">
+              <a:rPr lang="en-GB" altLang="en-US" dirty="0">
                 <a:solidFill>
                   <a:schemeClr val="bg2">
                     <a:lumMod val="75000"/>
@@ -6190,7 +6638,7 @@
           </a:p>
           <a:p>
             <a:pPr algn="ctr"/>
-            <a:endParaRPr lang="en-GB" altLang="en-US" dirty="0" smtClean="0">
+            <a:endParaRPr lang="en-GB" altLang="en-US" dirty="0">
               <a:solidFill>
                 <a:schemeClr val="bg2">
                   <a:lumMod val="75000"/>
@@ -6202,7 +6650,7 @@
           <a:p>
             <a:pPr algn="ctr"/>
             <a:r>
-              <a:rPr lang="en-GB" dirty="0" smtClean="0">
+              <a:rPr lang="en-GB" dirty="0">
                 <a:solidFill>
                   <a:schemeClr val="bg2">
                     <a:lumMod val="75000"/>
@@ -6215,7 +6663,7 @@
           </a:p>
           <a:p>
             <a:pPr algn="ctr"/>
-            <a:endParaRPr lang="en-GB" dirty="0" smtClean="0">
+            <a:endParaRPr lang="en-GB" dirty="0">
               <a:solidFill>
                 <a:schemeClr val="bg2">
                   <a:lumMod val="75000"/>
@@ -6227,7 +6675,7 @@
           <a:p>
             <a:pPr algn="ctr"/>
             <a:r>
-              <a:rPr lang="en-GB" dirty="0" smtClean="0">
+              <a:rPr lang="en-GB" dirty="0">
                 <a:solidFill>
                   <a:schemeClr val="bg2">
                     <a:lumMod val="75000"/>
@@ -6271,6 +6719,316 @@
           <a:xfrm>
             <a:off x="4558229" y="12776313"/>
             <a:ext cx="9332593" cy="2922408"/>
+          </a:xfrm>
+          <a:prstGeom prst="rect">
+            <a:avLst/>
+          </a:prstGeom>
+        </p:spPr>
+      </p:pic>
+      <p:sp>
+        <p:nvSpPr>
+          <p:cNvPr id="5" name="Rectangle 4">
+            <a:extLst>
+              <a:ext uri="{FF2B5EF4-FFF2-40B4-BE49-F238E27FC236}">
+                <a16:creationId xmlns:a16="http://schemas.microsoft.com/office/drawing/2014/main" id="{71B24C43-2572-1B3A-91C8-B0551D64DFB0}"/>
+              </a:ext>
+            </a:extLst>
+          </p:cNvPr>
+          <p:cNvSpPr/>
+          <p:nvPr/>
+        </p:nvSpPr>
+        <p:spPr>
+          <a:xfrm>
+            <a:off x="902284" y="20744788"/>
+            <a:ext cx="13919041" cy="1938992"/>
+          </a:xfrm>
+          <a:prstGeom prst="rect">
+            <a:avLst/>
+          </a:prstGeom>
+        </p:spPr>
+        <p:txBody>
+          <a:bodyPr wrap="square">
+            <a:spAutoFit/>
+          </a:bodyPr>
+          <a:lstStyle/>
+          <a:p>
+            <a:r>
+              <a:rPr lang="en-GB" altLang="en-US" sz="3000" dirty="0">
+                <a:latin typeface="Arial" panose="020B0604020202020204" pitchFamily="34" charset="0"/>
+              </a:rPr>
+              <a:t>Leveraging the power of transformer neural networks, we use 15 bins (500 </a:t>
+            </a:r>
+            <a:r>
+              <a:rPr lang="en-GB" altLang="en-US" sz="3000" dirty="0" err="1">
+                <a:latin typeface="Arial" panose="020B0604020202020204" pitchFamily="34" charset="0"/>
+              </a:rPr>
+              <a:t>ms</a:t>
+            </a:r>
+            <a:r>
+              <a:rPr lang="en-GB" altLang="en-US" sz="3000" dirty="0">
+                <a:latin typeface="Arial" panose="020B0604020202020204" pitchFamily="34" charset="0"/>
+              </a:rPr>
+              <a:t>) of CA1 fluorescence signals to predict 1 bin of LS and CTX neuron firing rates. Because of the exponential decay time of fluorescence signal, the </a:t>
+            </a:r>
+            <a:r>
+              <a:rPr lang="en-GB" altLang="en-US" sz="3000" dirty="0">
+                <a:solidFill>
+                  <a:srgbClr val="FF7F00"/>
+                </a:solidFill>
+                <a:latin typeface="Arial" panose="020B0604020202020204" pitchFamily="34" charset="0"/>
+              </a:rPr>
+              <a:t>optimal offset </a:t>
+            </a:r>
+            <a:r>
+              <a:rPr lang="en-GB" altLang="en-US" sz="3000" dirty="0">
+                <a:latin typeface="Arial" panose="020B0604020202020204" pitchFamily="34" charset="0"/>
+              </a:rPr>
+              <a:t>was found to be -60 </a:t>
+            </a:r>
+            <a:r>
+              <a:rPr lang="en-GB" altLang="en-US" sz="3000" dirty="0" err="1">
+                <a:latin typeface="Arial" panose="020B0604020202020204" pitchFamily="34" charset="0"/>
+              </a:rPr>
+              <a:t>ms</a:t>
+            </a:r>
+            <a:r>
+              <a:rPr lang="en-GB" altLang="en-US" sz="3000" dirty="0">
+                <a:latin typeface="Arial" panose="020B0604020202020204" pitchFamily="34" charset="0"/>
+              </a:rPr>
+              <a:t> using a GLM.</a:t>
+            </a:r>
+            <a:endParaRPr lang="en-GB" sz="3000" dirty="0"/>
+          </a:p>
+        </p:txBody>
+      </p:sp>
+      <p:sp>
+        <p:nvSpPr>
+          <p:cNvPr id="25" name="Rectangle 24">
+            <a:extLst>
+              <a:ext uri="{FF2B5EF4-FFF2-40B4-BE49-F238E27FC236}">
+                <a16:creationId xmlns:a16="http://schemas.microsoft.com/office/drawing/2014/main" id="{AE5DAA7C-BDEE-1B68-51A5-1D8B0BCFEF8E}"/>
+              </a:ext>
+            </a:extLst>
+          </p:cNvPr>
+          <p:cNvSpPr/>
+          <p:nvPr/>
+        </p:nvSpPr>
+        <p:spPr>
+          <a:xfrm>
+            <a:off x="6400800" y="28035700"/>
+            <a:ext cx="8420525" cy="5170646"/>
+          </a:xfrm>
+          <a:prstGeom prst="rect">
+            <a:avLst/>
+          </a:prstGeom>
+        </p:spPr>
+        <p:txBody>
+          <a:bodyPr wrap="square">
+            <a:spAutoFit/>
+          </a:bodyPr>
+          <a:lstStyle/>
+          <a:p>
+            <a:r>
+              <a:rPr lang="en-GB" altLang="en-US" sz="3000" dirty="0">
+                <a:latin typeface="Arial" panose="020B0604020202020204" pitchFamily="34" charset="0"/>
+              </a:rPr>
+              <a:t>We trained two transformer models, using 43 mins of CA1 activities</a:t>
+            </a:r>
+            <a:r>
+              <a:rPr lang="en-GB" altLang="en-US" sz="3000" dirty="0">
+                <a:solidFill>
+                  <a:srgbClr val="FF7F00"/>
+                </a:solidFill>
+                <a:latin typeface="Arial" panose="020B0604020202020204" pitchFamily="34" charset="0"/>
+              </a:rPr>
+              <a:t> </a:t>
+            </a:r>
+            <a:r>
+              <a:rPr lang="en-GB" altLang="en-US" sz="3000" dirty="0">
+                <a:latin typeface="Arial" panose="020B0604020202020204" pitchFamily="34" charset="0"/>
+              </a:rPr>
+              <a:t>to predict LS (where direct projections exist) and CTX (where no direct projections exist) </a:t>
+            </a:r>
+            <a:r>
+              <a:rPr lang="en-GB" altLang="en-US" sz="3000" dirty="0">
+                <a:solidFill>
+                  <a:srgbClr val="FF7F00"/>
+                </a:solidFill>
+                <a:latin typeface="Arial" panose="020B0604020202020204" pitchFamily="34" charset="0"/>
+              </a:rPr>
+              <a:t>endogenous activities,</a:t>
+            </a:r>
+            <a:r>
+              <a:rPr lang="en-GB" altLang="en-US" sz="3000" dirty="0">
+                <a:latin typeface="Arial" panose="020B0604020202020204" pitchFamily="34" charset="0"/>
+              </a:rPr>
+              <a:t> respectively.</a:t>
+            </a:r>
+          </a:p>
+          <a:p>
+            <a:endParaRPr lang="en-GB" sz="3000" dirty="0">
+              <a:latin typeface="Arial" panose="020B0604020202020204" pitchFamily="34" charset="0"/>
+            </a:endParaRPr>
+          </a:p>
+          <a:p>
+            <a:r>
+              <a:rPr lang="en-GB" sz="3000" dirty="0">
+                <a:latin typeface="Arial" panose="020B0604020202020204" pitchFamily="34" charset="0"/>
+              </a:rPr>
+              <a:t>The transformer features </a:t>
+            </a:r>
+            <a:r>
+              <a:rPr lang="en-GB" sz="3000" dirty="0">
+                <a:solidFill>
+                  <a:srgbClr val="FF7F00"/>
+                </a:solidFill>
+                <a:latin typeface="Arial" panose="020B0604020202020204" pitchFamily="34" charset="0"/>
+              </a:rPr>
+              <a:t>multi-head attention </a:t>
+            </a:r>
+            <a:r>
+              <a:rPr lang="en-GB" sz="3000" dirty="0">
+                <a:latin typeface="Arial" panose="020B0604020202020204" pitchFamily="34" charset="0"/>
+              </a:rPr>
+              <a:t>which was used in natural languages, can </a:t>
+            </a:r>
+            <a:r>
+              <a:rPr lang="en-GB" sz="3000" dirty="0">
+                <a:solidFill>
+                  <a:srgbClr val="FF7F00"/>
+                </a:solidFill>
+                <a:latin typeface="Arial" panose="020B0604020202020204" pitchFamily="34" charset="0"/>
+              </a:rPr>
+              <a:t>selectively focus </a:t>
+            </a:r>
+            <a:r>
+              <a:rPr lang="en-GB" sz="3000" dirty="0">
+                <a:latin typeface="Arial" panose="020B0604020202020204" pitchFamily="34" charset="0"/>
+              </a:rPr>
+              <a:t>on activities features in the CA1 neurons with positional information, and allows </a:t>
+            </a:r>
+            <a:r>
+              <a:rPr lang="en-GB" sz="3000" dirty="0">
+                <a:solidFill>
+                  <a:srgbClr val="FF7F00"/>
+                </a:solidFill>
+                <a:latin typeface="Arial" panose="020B0604020202020204" pitchFamily="34" charset="0"/>
+              </a:rPr>
+              <a:t>parallel processing</a:t>
+            </a:r>
+            <a:r>
+              <a:rPr lang="en-GB" sz="3000" dirty="0">
+                <a:latin typeface="Arial" panose="020B0604020202020204" pitchFamily="34" charset="0"/>
+              </a:rPr>
+              <a:t>.</a:t>
+            </a:r>
+            <a:endParaRPr lang="en-GB" sz="3000" dirty="0"/>
+          </a:p>
+        </p:txBody>
+      </p:sp>
+      <p:pic>
+        <p:nvPicPr>
+          <p:cNvPr id="27" name="Picture 26" descr="A diagram of a process&#10;&#10;Description automatically generated">
+            <a:extLst>
+              <a:ext uri="{FF2B5EF4-FFF2-40B4-BE49-F238E27FC236}">
+                <a16:creationId xmlns:a16="http://schemas.microsoft.com/office/drawing/2014/main" id="{86CCB66A-3ADB-443A-B629-5EDAE93E289F}"/>
+              </a:ext>
+            </a:extLst>
+          </p:cNvPr>
+          <p:cNvPicPr>
+            <a:picLocks noChangeAspect="1"/>
+          </p:cNvPicPr>
+          <p:nvPr/>
+        </p:nvPicPr>
+        <p:blipFill>
+          <a:blip r:embed="rId14">
+            <a:extLst>
+              <a:ext uri="{28A0092B-C50C-407E-A947-70E740481C1C}">
+                <a14:useLocalDpi xmlns:a14="http://schemas.microsoft.com/office/drawing/2010/main" val="0"/>
+              </a:ext>
+            </a:extLst>
+          </a:blip>
+          <a:stretch>
+            <a:fillRect/>
+          </a:stretch>
+        </p:blipFill>
+        <p:spPr>
+          <a:xfrm>
+            <a:off x="1017931" y="28428493"/>
+            <a:ext cx="4457313" cy="8680908"/>
+          </a:xfrm>
+          <a:prstGeom prst="rect">
+            <a:avLst/>
+          </a:prstGeom>
+        </p:spPr>
+      </p:pic>
+      <p:sp>
+        <p:nvSpPr>
+          <p:cNvPr id="29" name="Rectangle 28">
+            <a:extLst>
+              <a:ext uri="{FF2B5EF4-FFF2-40B4-BE49-F238E27FC236}">
+                <a16:creationId xmlns:a16="http://schemas.microsoft.com/office/drawing/2014/main" id="{8A9F0FA2-934B-2A62-DBA9-E161058FB1E2}"/>
+              </a:ext>
+            </a:extLst>
+          </p:cNvPr>
+          <p:cNvSpPr/>
+          <p:nvPr/>
+        </p:nvSpPr>
+        <p:spPr>
+          <a:xfrm>
+            <a:off x="1145948" y="38420914"/>
+            <a:ext cx="13857926" cy="1938992"/>
+          </a:xfrm>
+          <a:prstGeom prst="rect">
+            <a:avLst/>
+          </a:prstGeom>
+        </p:spPr>
+        <p:txBody>
+          <a:bodyPr wrap="square">
+            <a:spAutoFit/>
+          </a:bodyPr>
+          <a:lstStyle/>
+          <a:p>
+            <a:r>
+              <a:rPr lang="en-GB" altLang="en-US" sz="3000" dirty="0">
+                <a:latin typeface="Arial" panose="020B0604020202020204" pitchFamily="34" charset="0"/>
+              </a:rPr>
+              <a:t>The trained transformer predicts the CA1 – LS circuit 15% better than a baseline generalised linear model and 43% better than predicting the mean alone, under the mean squared error metric. Training the transformer is also more data and compute efficient (see conclusion).</a:t>
+            </a:r>
+            <a:endParaRPr lang="en-GB" sz="3000" dirty="0"/>
+          </a:p>
+        </p:txBody>
+      </p:sp>
+      <p:pic>
+        <p:nvPicPr>
+          <p:cNvPr id="31" name="Picture 30" descr="A diagram of a transformer&#10;&#10;Description automatically generated">
+            <a:extLst>
+              <a:ext uri="{FF2B5EF4-FFF2-40B4-BE49-F238E27FC236}">
+                <a16:creationId xmlns:a16="http://schemas.microsoft.com/office/drawing/2014/main" id="{ED6CB1CA-12AF-368D-C30A-FCECCEF0ED11}"/>
+              </a:ext>
+            </a:extLst>
+          </p:cNvPr>
+          <p:cNvPicPr>
+            <a:picLocks noChangeAspect="1"/>
+          </p:cNvPicPr>
+          <p:nvPr/>
+        </p:nvPicPr>
+        <p:blipFill>
+          <a:blip r:embed="rId15">
+            <a:extLst>
+              <a:ext uri="{28A0092B-C50C-407E-A947-70E740481C1C}">
+                <a14:useLocalDpi xmlns:a14="http://schemas.microsoft.com/office/drawing/2010/main" val="0"/>
+              </a:ext>
+            </a:extLst>
+          </a:blip>
+          <a:stretch>
+            <a:fillRect/>
+          </a:stretch>
+        </p:blipFill>
+        <p:spPr>
+          <a:xfrm>
+            <a:off x="1017931" y="22999265"/>
+            <a:ext cx="13803394" cy="4596123"/>
           </a:xfrm>
           <a:prstGeom prst="rect">
             <a:avLst/>
@@ -7126,4 +7884,299 @@
     </a:extraClrScheme>
   </a:extraClrSchemeLst>
 </a:theme>
+</file>
+
+<file path=ppt/theme/theme2.xml><?xml version="1.0" encoding="utf-8"?>
+<a:theme xmlns:a="http://schemas.openxmlformats.org/drawingml/2006/main" name="Office Theme">
+  <a:themeElements>
+    <a:clrScheme name="Office">
+      <a:dk1>
+        <a:sysClr val="windowText" lastClr="000000"/>
+      </a:dk1>
+      <a:lt1>
+        <a:sysClr val="window" lastClr="FFFFFF"/>
+      </a:lt1>
+      <a:dk2>
+        <a:srgbClr val="44546A"/>
+      </a:dk2>
+      <a:lt2>
+        <a:srgbClr val="E7E6E6"/>
+      </a:lt2>
+      <a:accent1>
+        <a:srgbClr val="4472C4"/>
+      </a:accent1>
+      <a:accent2>
+        <a:srgbClr val="ED7D31"/>
+      </a:accent2>
+      <a:accent3>
+        <a:srgbClr val="A5A5A5"/>
+      </a:accent3>
+      <a:accent4>
+        <a:srgbClr val="FFC000"/>
+      </a:accent4>
+      <a:accent5>
+        <a:srgbClr val="5B9BD5"/>
+      </a:accent5>
+      <a:accent6>
+        <a:srgbClr val="70AD47"/>
+      </a:accent6>
+      <a:hlink>
+        <a:srgbClr val="0563C1"/>
+      </a:hlink>
+      <a:folHlink>
+        <a:srgbClr val="954F72"/>
+      </a:folHlink>
+    </a:clrScheme>
+    <a:fontScheme name="Office">
+      <a:majorFont>
+        <a:latin typeface="Calibri Light" panose="020F0302020204030204"/>
+        <a:ea typeface=""/>
+        <a:cs typeface=""/>
+        <a:font script="Jpan" typeface="游ゴシック Light"/>
+        <a:font script="Hang" typeface="맑은 고딕"/>
+        <a:font script="Hans" typeface="等线 Light"/>
+        <a:font script="Hant" typeface="新細明體"/>
+        <a:font script="Arab" typeface="Times New Roman"/>
+        <a:font script="Hebr" typeface="Times New Roman"/>
+        <a:font script="Thai" typeface="Angsana New"/>
+        <a:font script="Ethi" typeface="Nyala"/>
+        <a:font script="Beng" typeface="Vrinda"/>
+        <a:font script="Gujr" typeface="Shruti"/>
+        <a:font script="Khmr" typeface="MoolBoran"/>
+        <a:font script="Knda" typeface="Tunga"/>
+        <a:font script="Guru" typeface="Raavi"/>
+        <a:font script="Cans" typeface="Euphemia"/>
+        <a:font script="Cher" typeface="Plantagenet Cherokee"/>
+        <a:font script="Yiii" typeface="Microsoft Yi Baiti"/>
+        <a:font script="Tibt" typeface="Microsoft Himalaya"/>
+        <a:font script="Thaa" typeface="MV Boli"/>
+        <a:font script="Deva" typeface="Mangal"/>
+        <a:font script="Telu" typeface="Gautami"/>
+        <a:font script="Taml" typeface="Latha"/>
+        <a:font script="Syrc" typeface="Estrangelo Edessa"/>
+        <a:font script="Orya" typeface="Kalinga"/>
+        <a:font script="Mlym" typeface="Kartika"/>
+        <a:font script="Laoo" typeface="DokChampa"/>
+        <a:font script="Sinh" typeface="Iskoola Pota"/>
+        <a:font script="Mong" typeface="Mongolian Baiti"/>
+        <a:font script="Viet" typeface="Times New Roman"/>
+        <a:font script="Uigh" typeface="Microsoft Uighur"/>
+        <a:font script="Geor" typeface="Sylfaen"/>
+        <a:font script="Armn" typeface="Arial"/>
+        <a:font script="Bugi" typeface="Leelawadee UI"/>
+        <a:font script="Bopo" typeface="Microsoft JhengHei"/>
+        <a:font script="Java" typeface="Javanese Text"/>
+        <a:font script="Lisu" typeface="Segoe UI"/>
+        <a:font script="Mymr" typeface="Myanmar Text"/>
+        <a:font script="Nkoo" typeface="Ebrima"/>
+        <a:font script="Olck" typeface="Nirmala UI"/>
+        <a:font script="Osma" typeface="Ebrima"/>
+        <a:font script="Phag" typeface="Phagspa"/>
+        <a:font script="Syrn" typeface="Estrangelo Edessa"/>
+        <a:font script="Syrj" typeface="Estrangelo Edessa"/>
+        <a:font script="Syre" typeface="Estrangelo Edessa"/>
+        <a:font script="Sora" typeface="Nirmala UI"/>
+        <a:font script="Tale" typeface="Microsoft Tai Le"/>
+        <a:font script="Talu" typeface="Microsoft New Tai Lue"/>
+        <a:font script="Tfng" typeface="Ebrima"/>
+      </a:majorFont>
+      <a:minorFont>
+        <a:latin typeface="Calibri" panose="020F0502020204030204"/>
+        <a:ea typeface=""/>
+        <a:cs typeface=""/>
+        <a:font script="Jpan" typeface="游ゴシック"/>
+        <a:font script="Hang" typeface="맑은 고딕"/>
+        <a:font script="Hans" typeface="等线"/>
+        <a:font script="Hant" typeface="新細明體"/>
+        <a:font script="Arab" typeface="Arial"/>
+        <a:font script="Hebr" typeface="Arial"/>
+        <a:font script="Thai" typeface="Cordia New"/>
+        <a:font script="Ethi" typeface="Nyala"/>
+        <a:font script="Beng" typeface="Vrinda"/>
+        <a:font script="Gujr" typeface="Shruti"/>
+        <a:font script="Khmr" typeface="DaunPenh"/>
+        <a:font script="Knda" typeface="Tunga"/>
+        <a:font script="Guru" typeface="Raavi"/>
+        <a:font script="Cans" typeface="Euphemia"/>
+        <a:font script="Cher" typeface="Plantagenet Cherokee"/>
+        <a:font script="Yiii" typeface="Microsoft Yi Baiti"/>
+        <a:font script="Tibt" typeface="Microsoft Himalaya"/>
+        <a:font script="Thaa" typeface="MV Boli"/>
+        <a:font script="Deva" typeface="Mangal"/>
+        <a:font script="Telu" typeface="Gautami"/>
+        <a:font script="Taml" typeface="Latha"/>
+        <a:font script="Syrc" typeface="Estrangelo Edessa"/>
+        <a:font script="Orya" typeface="Kalinga"/>
+        <a:font script="Mlym" typeface="Kartika"/>
+        <a:font script="Laoo" typeface="DokChampa"/>
+        <a:font script="Sinh" typeface="Iskoola Pota"/>
+        <a:font script="Mong" typeface="Mongolian Baiti"/>
+        <a:font script="Viet" typeface="Arial"/>
+        <a:font script="Uigh" typeface="Microsoft Uighur"/>
+        <a:font script="Geor" typeface="Sylfaen"/>
+        <a:font script="Armn" typeface="Arial"/>
+        <a:font script="Bugi" typeface="Leelawadee UI"/>
+        <a:font script="Bopo" typeface="Microsoft JhengHei"/>
+        <a:font script="Java" typeface="Javanese Text"/>
+        <a:font script="Lisu" typeface="Segoe UI"/>
+        <a:font script="Mymr" typeface="Myanmar Text"/>
+        <a:font script="Nkoo" typeface="Ebrima"/>
+        <a:font script="Olck" typeface="Nirmala UI"/>
+        <a:font script="Osma" typeface="Ebrima"/>
+        <a:font script="Phag" typeface="Phagspa"/>
+        <a:font script="Syrn" typeface="Estrangelo Edessa"/>
+        <a:font script="Syrj" typeface="Estrangelo Edessa"/>
+        <a:font script="Syre" typeface="Estrangelo Edessa"/>
+        <a:font script="Sora" typeface="Nirmala UI"/>
+        <a:font script="Tale" typeface="Microsoft Tai Le"/>
+        <a:font script="Talu" typeface="Microsoft New Tai Lue"/>
+        <a:font script="Tfng" typeface="Ebrima"/>
+      </a:minorFont>
+    </a:fontScheme>
+    <a:fmtScheme name="Office">
+      <a:fillStyleLst>
+        <a:solidFill>
+          <a:schemeClr val="phClr"/>
+        </a:solidFill>
+        <a:gradFill rotWithShape="1">
+          <a:gsLst>
+            <a:gs pos="0">
+              <a:schemeClr val="phClr">
+                <a:lumMod val="110000"/>
+                <a:satMod val="105000"/>
+                <a:tint val="67000"/>
+              </a:schemeClr>
+            </a:gs>
+            <a:gs pos="50000">
+              <a:schemeClr val="phClr">
+                <a:lumMod val="105000"/>
+                <a:satMod val="103000"/>
+                <a:tint val="73000"/>
+              </a:schemeClr>
+            </a:gs>
+            <a:gs pos="100000">
+              <a:schemeClr val="phClr">
+                <a:lumMod val="105000"/>
+                <a:satMod val="109000"/>
+                <a:tint val="81000"/>
+              </a:schemeClr>
+            </a:gs>
+          </a:gsLst>
+          <a:lin ang="5400000" scaled="0"/>
+        </a:gradFill>
+        <a:gradFill rotWithShape="1">
+          <a:gsLst>
+            <a:gs pos="0">
+              <a:schemeClr val="phClr">
+                <a:satMod val="103000"/>
+                <a:lumMod val="102000"/>
+                <a:tint val="94000"/>
+              </a:schemeClr>
+            </a:gs>
+            <a:gs pos="50000">
+              <a:schemeClr val="phClr">
+                <a:satMod val="110000"/>
+                <a:lumMod val="100000"/>
+                <a:shade val="100000"/>
+              </a:schemeClr>
+            </a:gs>
+            <a:gs pos="100000">
+              <a:schemeClr val="phClr">
+                <a:lumMod val="99000"/>
+                <a:satMod val="120000"/>
+                <a:shade val="78000"/>
+              </a:schemeClr>
+            </a:gs>
+          </a:gsLst>
+          <a:lin ang="5400000" scaled="0"/>
+        </a:gradFill>
+      </a:fillStyleLst>
+      <a:lnStyleLst>
+        <a:ln w="6350" cap="flat" cmpd="sng" algn="ctr">
+          <a:solidFill>
+            <a:schemeClr val="phClr"/>
+          </a:solidFill>
+          <a:prstDash val="solid"/>
+          <a:miter lim="800000"/>
+        </a:ln>
+        <a:ln w="12700" cap="flat" cmpd="sng" algn="ctr">
+          <a:solidFill>
+            <a:schemeClr val="phClr"/>
+          </a:solidFill>
+          <a:prstDash val="solid"/>
+          <a:miter lim="800000"/>
+        </a:ln>
+        <a:ln w="19050" cap="flat" cmpd="sng" algn="ctr">
+          <a:solidFill>
+            <a:schemeClr val="phClr"/>
+          </a:solidFill>
+          <a:prstDash val="solid"/>
+          <a:miter lim="800000"/>
+        </a:ln>
+      </a:lnStyleLst>
+      <a:effectStyleLst>
+        <a:effectStyle>
+          <a:effectLst/>
+        </a:effectStyle>
+        <a:effectStyle>
+          <a:effectLst/>
+        </a:effectStyle>
+        <a:effectStyle>
+          <a:effectLst>
+            <a:outerShdw blurRad="57150" dist="19050" dir="5400000" algn="ctr" rotWithShape="0">
+              <a:srgbClr val="000000">
+                <a:alpha val="63000"/>
+              </a:srgbClr>
+            </a:outerShdw>
+          </a:effectLst>
+        </a:effectStyle>
+      </a:effectStyleLst>
+      <a:bgFillStyleLst>
+        <a:solidFill>
+          <a:schemeClr val="phClr"/>
+        </a:solidFill>
+        <a:solidFill>
+          <a:schemeClr val="phClr">
+            <a:tint val="95000"/>
+            <a:satMod val="170000"/>
+          </a:schemeClr>
+        </a:solidFill>
+        <a:gradFill rotWithShape="1">
+          <a:gsLst>
+            <a:gs pos="0">
+              <a:schemeClr val="phClr">
+                <a:tint val="93000"/>
+                <a:satMod val="150000"/>
+                <a:shade val="98000"/>
+                <a:lumMod val="102000"/>
+              </a:schemeClr>
+            </a:gs>
+            <a:gs pos="50000">
+              <a:schemeClr val="phClr">
+                <a:tint val="98000"/>
+                <a:satMod val="130000"/>
+                <a:shade val="90000"/>
+                <a:lumMod val="103000"/>
+              </a:schemeClr>
+            </a:gs>
+            <a:gs pos="100000">
+              <a:schemeClr val="phClr">
+                <a:shade val="63000"/>
+                <a:satMod val="120000"/>
+              </a:schemeClr>
+            </a:gs>
+          </a:gsLst>
+          <a:lin ang="5400000" scaled="0"/>
+        </a:gradFill>
+      </a:bgFillStyleLst>
+    </a:fmtScheme>
+  </a:themeElements>
+  <a:objectDefaults/>
+  <a:extraClrSchemeLst/>
+  <a:extLst>
+    <a:ext uri="{05A4C25C-085E-4340-85A3-A5531E510DB2}">
+      <thm15:themeFamily xmlns:thm15="http://schemas.microsoft.com/office/thememl/2012/main" name="Office Theme" id="{62F939B6-93AF-4DB8-9C6B-D6C7DFDC589F}" vid="{4A3C46E8-61CC-4603-A589-7422A47A8E4A}"/>
+    </a:ext>
+  </a:extLst>
+</a:theme>
 </file>
--- a/Poster Template Updated 2022.pptx
+++ b/Poster Template Updated 2022.pptx
@@ -238,7 +238,7 @@
           <a:p>
             <a:fld id="{F0ED68F8-47EA-694E-A90F-039C71514126}" type="datetimeFigureOut">
               <a:rPr lang="en-US" smtClean="0"/>
-              <a:t>11/18/23</a:t>
+              <a:t>11/20/2023</a:t>
             </a:fld>
             <a:endParaRPr lang="en-US"/>
           </a:p>
@@ -6564,8 +6564,8 @@
         </p:blipFill>
         <p:spPr>
           <a:xfrm>
-            <a:off x="19646727" y="7234228"/>
-            <a:ext cx="9904703" cy="5636871"/>
+            <a:off x="21126450" y="8074788"/>
+            <a:ext cx="8427129" cy="4795968"/>
           </a:xfrm>
           <a:prstGeom prst="rect">
             <a:avLst/>
@@ -6594,7 +6594,7 @@
         </p:blipFill>
         <p:spPr>
           <a:xfrm>
-            <a:off x="16256780" y="20657713"/>
+            <a:off x="15818210" y="17267191"/>
             <a:ext cx="12624275" cy="6615777"/>
           </a:xfrm>
           <a:prstGeom prst="rect">
@@ -7035,6 +7035,43 @@
           </a:prstGeom>
         </p:spPr>
       </p:pic>
+      <p:sp>
+        <p:nvSpPr>
+          <p:cNvPr id="39" name="Rectangle 38">
+            <a:extLst>
+              <a:ext uri="{FF2B5EF4-FFF2-40B4-BE49-F238E27FC236}">
+                <a16:creationId xmlns:a16="http://schemas.microsoft.com/office/drawing/2014/main" id="{71B24C43-2572-1B3A-91C8-B0551D64DFB0}"/>
+              </a:ext>
+            </a:extLst>
+          </p:cNvPr>
+          <p:cNvSpPr/>
+          <p:nvPr/>
+        </p:nvSpPr>
+        <p:spPr>
+          <a:xfrm>
+            <a:off x="16017242" y="7741325"/>
+            <a:ext cx="4839796" cy="5170646"/>
+          </a:xfrm>
+          <a:prstGeom prst="rect">
+            <a:avLst/>
+          </a:prstGeom>
+        </p:spPr>
+        <p:txBody>
+          <a:bodyPr wrap="square">
+            <a:spAutoFit/>
+          </a:bodyPr>
+          <a:lstStyle/>
+          <a:p>
+            <a:r>
+              <a:rPr lang="en-GB" sz="3000" dirty="0" smtClean="0">
+                <a:latin typeface="Arial" panose="020B0604020202020204" pitchFamily="34" charset="0"/>
+              </a:rPr>
+              <a:t>All-optical simulation allows us to manually inject stimuli to CA1 neurons by light. To test how well a trained transformer model can generalise predictions to non-endogenous activities, we injected three types of stimuli: forward, reverse and random. (Needs more explanation here)</a:t>
+            </a:r>
+            <a:endParaRPr lang="en-GB" sz="3000" dirty="0"/>
+          </a:p>
+        </p:txBody>
+      </p:sp>
     </p:spTree>
   </p:cSld>
   <p:clrMapOvr>

--- a/Poster Template Updated 2022.pptx
+++ b/Poster Template Updated 2022.pptx
@@ -238,7 +238,7 @@
           <a:p>
             <a:fld id="{F0ED68F8-47EA-694E-A90F-039C71514126}" type="datetimeFigureOut">
               <a:rPr lang="en-US" smtClean="0"/>
-              <a:t>11/20/2023</a:t>
+              <a:t>11/21/23</a:t>
             </a:fld>
             <a:endParaRPr lang="en-US"/>
           </a:p>
@@ -5501,8 +5501,8 @@
         </p:nvSpPr>
         <p:spPr bwMode="auto">
           <a:xfrm>
-            <a:off x="15807506" y="6898388"/>
-            <a:ext cx="14015485" cy="20844877"/>
+            <a:off x="15807507" y="6898387"/>
+            <a:ext cx="13746072" cy="25437181"/>
           </a:xfrm>
           <a:prstGeom prst="roundRect">
             <a:avLst>
@@ -5552,8 +5552,8 @@
         </p:nvSpPr>
         <p:spPr bwMode="auto">
           <a:xfrm>
-            <a:off x="16017241" y="28219044"/>
-            <a:ext cx="13461878" cy="418897"/>
+            <a:off x="15949603" y="32890258"/>
+            <a:ext cx="13461878" cy="553998"/>
           </a:xfrm>
           <a:prstGeom prst="rect">
             <a:avLst/>
@@ -5700,7 +5700,7 @@
               </a:spcBef>
             </a:pPr>
             <a:r>
-              <a:rPr lang="en-GB" altLang="en-US" sz="2122" b="1" dirty="0">
+              <a:rPr lang="en-GB" altLang="en-US" sz="3000" b="1" dirty="0">
                 <a:solidFill>
                   <a:srgbClr val="FF7F00"/>
                 </a:solidFill>
@@ -5850,8 +5850,8 @@
         </p:nvSpPr>
         <p:spPr bwMode="auto">
           <a:xfrm>
-            <a:off x="15807506" y="28095708"/>
-            <a:ext cx="13746073" cy="12586683"/>
+            <a:off x="15807506" y="32868167"/>
+            <a:ext cx="13746073" cy="7814223"/>
           </a:xfrm>
           <a:prstGeom prst="roundRect">
             <a:avLst>
@@ -6564,8 +6564,8 @@
         </p:blipFill>
         <p:spPr>
           <a:xfrm>
-            <a:off x="21126450" y="8074788"/>
-            <a:ext cx="8427129" cy="4795968"/>
+            <a:off x="17489878" y="10147179"/>
+            <a:ext cx="10329726" cy="5878756"/>
           </a:xfrm>
           <a:prstGeom prst="rect">
             <a:avLst/>
@@ -6594,8 +6594,8 @@
         </p:blipFill>
         <p:spPr>
           <a:xfrm>
-            <a:off x="15818210" y="17267191"/>
-            <a:ext cx="12624275" cy="6615777"/>
+            <a:off x="17408003" y="17579730"/>
+            <a:ext cx="9866664" cy="5170645"/>
           </a:xfrm>
           <a:prstGeom prst="rect">
             <a:avLst/>
@@ -7049,8 +7049,8 @@
         </p:nvSpPr>
         <p:spPr>
           <a:xfrm>
-            <a:off x="16017242" y="7741325"/>
-            <a:ext cx="4839796" cy="5170646"/>
+            <a:off x="16094586" y="7741325"/>
+            <a:ext cx="12900744" cy="1938992"/>
           </a:xfrm>
           <a:prstGeom prst="rect">
             <a:avLst/>
@@ -7063,10 +7063,262 @@
           <a:lstStyle/>
           <a:p>
             <a:r>
-              <a:rPr lang="en-GB" sz="3000" dirty="0" smtClean="0">
+              <a:rPr lang="en-GB" sz="3000" dirty="0">
                 <a:latin typeface="Arial" panose="020B0604020202020204" pitchFamily="34" charset="0"/>
               </a:rPr>
               <a:t>All-optical simulation allows us to manually inject stimuli to CA1 neurons by light. To test how well a trained transformer model can generalise predictions to non-endogenous activities, we injected three types of stimuli: forward, reverse and random. (Needs more explanation here)</a:t>
+            </a:r>
+            <a:endParaRPr lang="en-GB" sz="3000" dirty="0"/>
+          </a:p>
+        </p:txBody>
+      </p:sp>
+      <p:pic>
+        <p:nvPicPr>
+          <p:cNvPr id="17" name="Picture 16" descr="A graph showing different colored lines&#10;&#10;Description automatically generated">
+            <a:extLst>
+              <a:ext uri="{FF2B5EF4-FFF2-40B4-BE49-F238E27FC236}">
+                <a16:creationId xmlns:a16="http://schemas.microsoft.com/office/drawing/2014/main" id="{372ADBA7-933D-8D81-D2A4-CD6B67AC9F54}"/>
+              </a:ext>
+            </a:extLst>
+          </p:cNvPr>
+          <p:cNvPicPr>
+            <a:picLocks noChangeAspect="1"/>
+          </p:cNvPicPr>
+          <p:nvPr/>
+        </p:nvPicPr>
+        <p:blipFill>
+          <a:blip r:embed="rId16">
+            <a:extLst>
+              <a:ext uri="{28A0092B-C50C-407E-A947-70E740481C1C}">
+                <a14:useLocalDpi xmlns:a14="http://schemas.microsoft.com/office/drawing/2010/main" val="0"/>
+              </a:ext>
+            </a:extLst>
+          </a:blip>
+          <a:stretch>
+            <a:fillRect/>
+          </a:stretch>
+        </p:blipFill>
+        <p:spPr>
+          <a:xfrm>
+            <a:off x="19283819" y="25442357"/>
+            <a:ext cx="9958837" cy="5261271"/>
+          </a:xfrm>
+          <a:prstGeom prst="rect">
+            <a:avLst/>
+          </a:prstGeom>
+        </p:spPr>
+      </p:pic>
+      <p:sp>
+        <p:nvSpPr>
+          <p:cNvPr id="18" name="Rectangle 17">
+            <a:extLst>
+              <a:ext uri="{FF2B5EF4-FFF2-40B4-BE49-F238E27FC236}">
+                <a16:creationId xmlns:a16="http://schemas.microsoft.com/office/drawing/2014/main" id="{02D68847-99A7-5644-2174-D165EE925FA1}"/>
+              </a:ext>
+            </a:extLst>
+          </p:cNvPr>
+          <p:cNvSpPr/>
+          <p:nvPr/>
+        </p:nvSpPr>
+        <p:spPr>
+          <a:xfrm>
+            <a:off x="16079958" y="24033128"/>
+            <a:ext cx="13162698" cy="1015663"/>
+          </a:xfrm>
+          <a:prstGeom prst="rect">
+            <a:avLst/>
+          </a:prstGeom>
+        </p:spPr>
+        <p:txBody>
+          <a:bodyPr wrap="square">
+            <a:spAutoFit/>
+          </a:bodyPr>
+          <a:lstStyle/>
+          <a:p>
+            <a:r>
+              <a:rPr lang="en-GB" sz="3000" dirty="0">
+                <a:latin typeface="Arial" panose="020B0604020202020204" pitchFamily="34" charset="0"/>
+              </a:rPr>
+              <a:t>We tested the performance of the transformer model trained on smaller proportions of the available endogenous activities.</a:t>
+            </a:r>
+            <a:endParaRPr lang="en-GB" sz="3000" dirty="0"/>
+          </a:p>
+        </p:txBody>
+      </p:sp>
+      <p:sp>
+        <p:nvSpPr>
+          <p:cNvPr id="22" name="Rectangle 21">
+            <a:extLst>
+              <a:ext uri="{FF2B5EF4-FFF2-40B4-BE49-F238E27FC236}">
+                <a16:creationId xmlns:a16="http://schemas.microsoft.com/office/drawing/2014/main" id="{B4657CD5-913F-4A29-D7FC-09DF82231569}"/>
+              </a:ext>
+            </a:extLst>
+          </p:cNvPr>
+          <p:cNvSpPr/>
+          <p:nvPr/>
+        </p:nvSpPr>
+        <p:spPr>
+          <a:xfrm>
+            <a:off x="16094585" y="23263208"/>
+            <a:ext cx="2975815" cy="553998"/>
+          </a:xfrm>
+          <a:prstGeom prst="rect">
+            <a:avLst/>
+          </a:prstGeom>
+        </p:spPr>
+        <p:txBody>
+          <a:bodyPr wrap="none">
+            <a:spAutoFit/>
+          </a:bodyPr>
+          <a:lstStyle/>
+          <a:p>
+            <a:pPr>
+              <a:spcBef>
+                <a:spcPct val="50000"/>
+              </a:spcBef>
+            </a:pPr>
+            <a:r>
+              <a:rPr lang="en-GB" altLang="en-US" sz="3000" b="1" dirty="0">
+                <a:solidFill>
+                  <a:srgbClr val="FF7F00"/>
+                </a:solidFill>
+                <a:latin typeface="Arial" panose="020B0604020202020204" pitchFamily="34" charset="0"/>
+              </a:rPr>
+              <a:t>Data efficiency</a:t>
+            </a:r>
+          </a:p>
+        </p:txBody>
+      </p:sp>
+      <p:sp>
+        <p:nvSpPr>
+          <p:cNvPr id="26" name="Rectangle 25">
+            <a:extLst>
+              <a:ext uri="{FF2B5EF4-FFF2-40B4-BE49-F238E27FC236}">
+                <a16:creationId xmlns:a16="http://schemas.microsoft.com/office/drawing/2014/main" id="{CA7A0EF9-0986-684B-0F71-8EEB57A1A86A}"/>
+              </a:ext>
+            </a:extLst>
+          </p:cNvPr>
+          <p:cNvSpPr/>
+          <p:nvPr/>
+        </p:nvSpPr>
+        <p:spPr>
+          <a:xfrm>
+            <a:off x="16094585" y="16228628"/>
+            <a:ext cx="13148071" cy="1015663"/>
+          </a:xfrm>
+          <a:prstGeom prst="rect">
+            <a:avLst/>
+          </a:prstGeom>
+        </p:spPr>
+        <p:txBody>
+          <a:bodyPr wrap="square">
+            <a:spAutoFit/>
+          </a:bodyPr>
+          <a:lstStyle/>
+          <a:p>
+            <a:r>
+              <a:rPr lang="en-GB" sz="3000" dirty="0">
+                <a:latin typeface="Arial" panose="020B0604020202020204" pitchFamily="34" charset="0"/>
+              </a:rPr>
+              <a:t>With activities arising from all three stimulation schemes, transformer predicted significantly better in the CA1 – LS circuit.</a:t>
+            </a:r>
+            <a:endParaRPr lang="en-GB" sz="3000" dirty="0"/>
+          </a:p>
+        </p:txBody>
+      </p:sp>
+      <p:sp>
+        <p:nvSpPr>
+          <p:cNvPr id="28" name="Rectangle 27">
+            <a:extLst>
+              <a:ext uri="{FF2B5EF4-FFF2-40B4-BE49-F238E27FC236}">
+                <a16:creationId xmlns:a16="http://schemas.microsoft.com/office/drawing/2014/main" id="{71839CC7-8F76-FC93-CF64-09D4F877EB0B}"/>
+              </a:ext>
+            </a:extLst>
+          </p:cNvPr>
+          <p:cNvSpPr/>
+          <p:nvPr/>
+        </p:nvSpPr>
+        <p:spPr>
+          <a:xfrm>
+            <a:off x="16099193" y="25276349"/>
+            <a:ext cx="3184626" cy="5170646"/>
+          </a:xfrm>
+          <a:prstGeom prst="rect">
+            <a:avLst/>
+          </a:prstGeom>
+        </p:spPr>
+        <p:txBody>
+          <a:bodyPr wrap="square">
+            <a:spAutoFit/>
+          </a:bodyPr>
+          <a:lstStyle/>
+          <a:p>
+            <a:r>
+              <a:rPr lang="en-GB" sz="3000" dirty="0">
+                <a:latin typeface="Arial" panose="020B0604020202020204" pitchFamily="34" charset="0"/>
+              </a:rPr>
+              <a:t>Transformer showed better accuracy throughout and continues to improve as more data is provided, whereas GLM flattens out due to its predictive power.  </a:t>
+            </a:r>
+            <a:endParaRPr lang="en-GB" sz="3000" dirty="0"/>
+          </a:p>
+        </p:txBody>
+      </p:sp>
+      <p:sp>
+        <p:nvSpPr>
+          <p:cNvPr id="30" name="Rectangle 29">
+            <a:extLst>
+              <a:ext uri="{FF2B5EF4-FFF2-40B4-BE49-F238E27FC236}">
+                <a16:creationId xmlns:a16="http://schemas.microsoft.com/office/drawing/2014/main" id="{1520B764-3797-DD7B-EED0-0EA0FA102F85}"/>
+              </a:ext>
+            </a:extLst>
+          </p:cNvPr>
+          <p:cNvSpPr/>
+          <p:nvPr/>
+        </p:nvSpPr>
+        <p:spPr>
+          <a:xfrm>
+            <a:off x="16018830" y="33579215"/>
+            <a:ext cx="13461878" cy="3785652"/>
+          </a:xfrm>
+          <a:prstGeom prst="rect">
+            <a:avLst/>
+          </a:prstGeom>
+        </p:spPr>
+        <p:txBody>
+          <a:bodyPr wrap="square">
+            <a:spAutoFit/>
+          </a:bodyPr>
+          <a:lstStyle/>
+          <a:p>
+            <a:r>
+              <a:rPr lang="en-GB" sz="3000" dirty="0">
+                <a:latin typeface="Arial" panose="020B0604020202020204" pitchFamily="34" charset="0"/>
+              </a:rPr>
+              <a:t>- Optical and electrophysiology recording data enables computational modelling of the hippocampal CA1 – lateral septum circuit in mice.</a:t>
+            </a:r>
+          </a:p>
+          <a:p>
+            <a:r>
+              <a:rPr lang="en-GB" sz="3000" dirty="0">
+                <a:latin typeface="Arial" panose="020B0604020202020204" pitchFamily="34" charset="0"/>
+              </a:rPr>
+              <a:t>- Transformer neural networks can be trained to learn the functional mapping of this circuit </a:t>
+            </a:r>
+          </a:p>
+          <a:p>
+            <a:r>
+              <a:rPr lang="en-GB" sz="3000" dirty="0">
+                <a:latin typeface="Arial" panose="020B0604020202020204" pitchFamily="34" charset="0"/>
+              </a:rPr>
+              <a:t>- Trained transformer model generalises to neural activities where external stimuli is injected externally.</a:t>
+            </a:r>
+          </a:p>
+          <a:p>
+            <a:r>
+              <a:rPr lang="en-GB" sz="3000" dirty="0">
+                <a:latin typeface="Arial" panose="020B0604020202020204" pitchFamily="34" charset="0"/>
+              </a:rPr>
+              <a:t>- In comparison with GLMs, transformer is more data efficient, and continues to improve when more data is provided.</a:t>
             </a:r>
             <a:endParaRPr lang="en-GB" sz="3000" dirty="0"/>
           </a:p>
